--- a/rapport2/sequence/diagrammesDeSeq.pptx
+++ b/rapport2/sequence/diagrammesDeSeq.pptx
@@ -488,7 +488,7 @@
   <p:cSld>
     <p:spTree>
       <p:nvGrpSpPr>
-        <p:cNvPr id="189" name="Shape 189"/>
+        <p:cNvPr id="199" name="Shape 199"/>
         <p:cNvGrpSpPr/>
         <p:nvPr/>
       </p:nvGrpSpPr>
@@ -502,7 +502,7 @@
       </p:grpSpPr>
       <p:sp>
         <p:nvSpPr>
-          <p:cNvPr id="190" name="Shape 190"/>
+          <p:cNvPr id="200" name="Shape 200"/>
           <p:cNvSpPr txBox="1"/>
           <p:nvPr>
             <p:ph idx="1" type="body"/>
@@ -538,7 +538,7 @@
       </p:sp>
       <p:sp>
         <p:nvSpPr>
-          <p:cNvPr id="191" name="Shape 191"/>
+          <p:cNvPr id="201" name="Shape 201"/>
           <p:cNvSpPr/>
           <p:nvPr>
             <p:ph idx="2" type="sldImg"/>
@@ -593,7 +593,7 @@
   <p:cSld>
     <p:spTree>
       <p:nvGrpSpPr>
-        <p:cNvPr id="213" name="Shape 213"/>
+        <p:cNvPr id="223" name="Shape 223"/>
         <p:cNvGrpSpPr/>
         <p:nvPr/>
       </p:nvGrpSpPr>
@@ -607,7 +607,7 @@
       </p:grpSpPr>
       <p:sp>
         <p:nvSpPr>
-          <p:cNvPr id="214" name="Shape 214"/>
+          <p:cNvPr id="224" name="Shape 224"/>
           <p:cNvSpPr txBox="1"/>
           <p:nvPr>
             <p:ph idx="1" type="body"/>
@@ -643,7 +643,7 @@
       </p:sp>
       <p:sp>
         <p:nvSpPr>
-          <p:cNvPr id="215" name="Shape 215"/>
+          <p:cNvPr id="225" name="Shape 225"/>
           <p:cNvSpPr/>
           <p:nvPr>
             <p:ph idx="2" type="sldImg"/>
@@ -698,7 +698,7 @@
   <p:cSld>
     <p:spTree>
       <p:nvGrpSpPr>
-        <p:cNvPr id="241" name="Shape 241"/>
+        <p:cNvPr id="251" name="Shape 251"/>
         <p:cNvGrpSpPr/>
         <p:nvPr/>
       </p:nvGrpSpPr>
@@ -712,7 +712,7 @@
       </p:grpSpPr>
       <p:sp>
         <p:nvSpPr>
-          <p:cNvPr id="242" name="Shape 242"/>
+          <p:cNvPr id="252" name="Shape 252"/>
           <p:cNvSpPr/>
           <p:nvPr>
             <p:ph idx="2" type="sldImg"/>
@@ -756,7 +756,7 @@
       </p:sp>
       <p:sp>
         <p:nvSpPr>
-          <p:cNvPr id="243" name="Shape 243"/>
+          <p:cNvPr id="253" name="Shape 253"/>
           <p:cNvSpPr txBox="1"/>
           <p:nvPr>
             <p:ph idx="1" type="body"/>
@@ -8777,7 +8777,7 @@
         </p:nvSpPr>
         <p:spPr>
           <a:xfrm>
-            <a:off x="10045185" y="608623"/>
+            <a:off x="10117210" y="612798"/>
             <a:ext cx="1223999" cy="251400"/>
           </a:xfrm>
           <a:prstGeom prst="rect">
@@ -9642,7 +9642,7 @@
         </p:nvCxnSpPr>
         <p:spPr>
           <a:xfrm>
-            <a:off x="10657185" y="860023"/>
+            <a:off x="10729210" y="864198"/>
             <a:ext cx="0" cy="6589500"/>
           </a:xfrm>
           <a:prstGeom prst="straightConnector1">
@@ -10984,7 +10984,7 @@
             <a:avLst/>
           </a:prstGeom>
           <a:noFill/>
-          <a:ln cap="flat" w="19050">
+          <a:ln cap="flat" w="9525">
             <a:solidFill>
               <a:srgbClr val="000000"/>
             </a:solidFill>
@@ -11012,7 +11012,7 @@
             <a:avLst/>
           </a:prstGeom>
           <a:noFill/>
-          <a:ln cap="flat" w="19050">
+          <a:ln cap="flat" w="9525">
             <a:solidFill>
               <a:srgbClr val="000000"/>
             </a:solidFill>
@@ -11156,50 +11156,6 @@
       <p:sp>
         <p:nvSpPr>
           <p:cNvPr id="186" name="Shape 186"/>
-          <p:cNvSpPr/>
-          <p:nvPr/>
-        </p:nvSpPr>
-        <p:spPr>
-          <a:xfrm>
-            <a:off x="1685262" y="2370050"/>
-            <a:ext cx="10232100" cy="1600500"/>
-          </a:xfrm>
-          <a:prstGeom prst="rect">
-            <a:avLst/>
-          </a:prstGeom>
-          <a:noFill/>
-          <a:ln cap="flat" w="19050">
-            <a:solidFill>
-              <a:srgbClr val="000000"/>
-            </a:solidFill>
-            <a:prstDash val="solid"/>
-            <a:round/>
-            <a:headEnd len="med" w="med" type="none"/>
-            <a:tailEnd len="med" w="med" type="none"/>
-          </a:ln>
-        </p:spPr>
-        <p:txBody>
-          <a:bodyPr anchorCtr="0" anchor="ctr" bIns="91425" lIns="91425" rIns="91425" tIns="91425">
-            <a:noAutofit/>
-          </a:bodyPr>
-          <a:lstStyle/>
-          <a:p>
-            <a:pPr>
-              <a:spcBef>
-                <a:spcPts val="0"/>
-              </a:spcBef>
-              <a:buNone/>
-            </a:pPr>
-            <a:r>
-              <a:t/>
-            </a:r>
-            <a:endParaRPr/>
-          </a:p>
-        </p:txBody>
-      </p:sp>
-      <p:sp>
-        <p:nvSpPr>
-          <p:cNvPr id="187" name="Shape 187"/>
           <p:cNvSpPr txBox="1"/>
           <p:nvPr/>
         </p:nvSpPr>
@@ -11241,7 +11197,7 @@
       </p:sp>
       <p:sp>
         <p:nvSpPr>
-          <p:cNvPr id="188" name="Shape 188"/>
+          <p:cNvPr id="187" name="Shape 187"/>
           <p:cNvSpPr/>
           <p:nvPr/>
         </p:nvSpPr>
@@ -11292,6 +11248,320 @@
           </a:p>
         </p:txBody>
       </p:sp>
+      <p:cxnSp>
+        <p:nvCxnSpPr>
+          <p:cNvPr id="188" name="Shape 188"/>
+          <p:cNvCxnSpPr>
+            <a:endCxn id="156" idx="0"/>
+          </p:cNvCxnSpPr>
+          <p:nvPr/>
+        </p:nvCxnSpPr>
+        <p:spPr>
+          <a:xfrm>
+            <a:off x="7344002" y="3486075"/>
+            <a:ext cx="900" cy="1914600"/>
+          </a:xfrm>
+          <a:prstGeom prst="straightConnector1">
+            <a:avLst/>
+          </a:prstGeom>
+          <a:noFill/>
+          <a:ln cap="flat" w="9525">
+            <a:solidFill>
+              <a:srgbClr val="000000"/>
+            </a:solidFill>
+            <a:prstDash val="dash"/>
+            <a:round/>
+            <a:headEnd len="lg" w="lg" type="none"/>
+            <a:tailEnd len="lg" w="lg" type="none"/>
+          </a:ln>
+        </p:spPr>
+      </p:cxnSp>
+      <p:sp>
+        <p:nvSpPr>
+          <p:cNvPr id="189" name="Shape 189"/>
+          <p:cNvSpPr/>
+          <p:nvPr/>
+        </p:nvSpPr>
+        <p:spPr>
+          <a:xfrm>
+            <a:off x="1685262" y="2370050"/>
+            <a:ext cx="10232100" cy="1600500"/>
+          </a:xfrm>
+          <a:prstGeom prst="rect">
+            <a:avLst/>
+          </a:prstGeom>
+          <a:noFill/>
+          <a:ln cap="flat" w="19050">
+            <a:solidFill>
+              <a:srgbClr val="000000"/>
+            </a:solidFill>
+            <a:prstDash val="solid"/>
+            <a:round/>
+            <a:headEnd len="med" w="med" type="none"/>
+            <a:tailEnd len="med" w="med" type="none"/>
+          </a:ln>
+        </p:spPr>
+        <p:txBody>
+          <a:bodyPr anchorCtr="0" anchor="ctr" bIns="91425" lIns="91425" rIns="91425" tIns="91425">
+            <a:noAutofit/>
+          </a:bodyPr>
+          <a:lstStyle/>
+          <a:p>
+            <a:pPr lvl="0" rtl="0">
+              <a:spcBef>
+                <a:spcPts val="0"/>
+              </a:spcBef>
+              <a:buNone/>
+            </a:pPr>
+            <a:r>
+              <a:t/>
+            </a:r>
+            <a:endParaRPr/>
+          </a:p>
+        </p:txBody>
+      </p:sp>
+      <p:cxnSp>
+        <p:nvCxnSpPr>
+          <p:cNvPr id="190" name="Shape 190"/>
+          <p:cNvCxnSpPr>
+            <a:endCxn id="164" idx="0"/>
+          </p:cNvCxnSpPr>
+          <p:nvPr/>
+        </p:nvCxnSpPr>
+        <p:spPr>
+          <a:xfrm>
+            <a:off x="9001086" y="5657918"/>
+            <a:ext cx="0" cy="1038900"/>
+          </a:xfrm>
+          <a:prstGeom prst="straightConnector1">
+            <a:avLst/>
+          </a:prstGeom>
+          <a:noFill/>
+          <a:ln cap="flat" w="9525">
+            <a:solidFill>
+              <a:srgbClr val="000000"/>
+            </a:solidFill>
+            <a:prstDash val="dash"/>
+            <a:round/>
+            <a:headEnd len="lg" w="lg" type="none"/>
+            <a:tailEnd len="lg" w="lg" type="none"/>
+          </a:ln>
+        </p:spPr>
+      </p:cxnSp>
+      <p:cxnSp>
+        <p:nvCxnSpPr>
+          <p:cNvPr id="191" name="Shape 191"/>
+          <p:cNvCxnSpPr>
+            <a:endCxn id="169" idx="0"/>
+          </p:cNvCxnSpPr>
+          <p:nvPr/>
+        </p:nvCxnSpPr>
+        <p:spPr>
+          <a:xfrm>
+            <a:off x="5688719" y="5879067"/>
+            <a:ext cx="0" cy="1249800"/>
+          </a:xfrm>
+          <a:prstGeom prst="straightConnector1">
+            <a:avLst/>
+          </a:prstGeom>
+          <a:noFill/>
+          <a:ln cap="flat" w="9525">
+            <a:solidFill>
+              <a:srgbClr val="000000"/>
+            </a:solidFill>
+            <a:prstDash val="dash"/>
+            <a:round/>
+            <a:headEnd len="lg" w="lg" type="none"/>
+            <a:tailEnd len="lg" w="lg" type="none"/>
+          </a:ln>
+        </p:spPr>
+      </p:cxnSp>
+      <p:cxnSp>
+        <p:nvCxnSpPr>
+          <p:cNvPr id="192" name="Shape 192"/>
+          <p:cNvCxnSpPr>
+            <a:endCxn id="161" idx="0"/>
+          </p:cNvCxnSpPr>
+          <p:nvPr/>
+        </p:nvCxnSpPr>
+        <p:spPr>
+          <a:xfrm flipH="1">
+            <a:off x="3960526" y="5857694"/>
+            <a:ext cx="1800" cy="623100"/>
+          </a:xfrm>
+          <a:prstGeom prst="straightConnector1">
+            <a:avLst/>
+          </a:prstGeom>
+          <a:noFill/>
+          <a:ln cap="flat" w="9525">
+            <a:solidFill>
+              <a:srgbClr val="000000"/>
+            </a:solidFill>
+            <a:prstDash val="dash"/>
+            <a:round/>
+            <a:headEnd len="lg" w="lg" type="none"/>
+            <a:tailEnd len="lg" w="lg" type="none"/>
+          </a:ln>
+        </p:spPr>
+      </p:cxnSp>
+      <p:cxnSp>
+        <p:nvCxnSpPr>
+          <p:cNvPr id="193" name="Shape 193"/>
+          <p:cNvCxnSpPr/>
+          <p:nvPr/>
+        </p:nvCxnSpPr>
+        <p:spPr>
+          <a:xfrm>
+            <a:off x="7345000" y="6105350"/>
+            <a:ext cx="17700" cy="3476700"/>
+          </a:xfrm>
+          <a:prstGeom prst="straightConnector1">
+            <a:avLst/>
+          </a:prstGeom>
+          <a:noFill/>
+          <a:ln cap="flat" w="9525">
+            <a:solidFill>
+              <a:srgbClr val="000000"/>
+            </a:solidFill>
+            <a:prstDash val="dash"/>
+            <a:round/>
+            <a:headEnd len="lg" w="lg" type="none"/>
+            <a:tailEnd len="lg" w="lg" type="none"/>
+          </a:ln>
+        </p:spPr>
+      </p:cxnSp>
+      <p:cxnSp>
+        <p:nvCxnSpPr>
+          <p:cNvPr id="194" name="Shape 194"/>
+          <p:cNvCxnSpPr/>
+          <p:nvPr/>
+        </p:nvCxnSpPr>
+        <p:spPr>
+          <a:xfrm>
+            <a:off x="8992700" y="7303062"/>
+            <a:ext cx="0" cy="2326499"/>
+          </a:xfrm>
+          <a:prstGeom prst="straightConnector1">
+            <a:avLst/>
+          </a:prstGeom>
+          <a:noFill/>
+          <a:ln cap="flat" w="9525">
+            <a:solidFill>
+              <a:srgbClr val="000000"/>
+            </a:solidFill>
+            <a:prstDash val="dash"/>
+            <a:round/>
+            <a:headEnd len="lg" w="lg" type="none"/>
+            <a:tailEnd len="lg" w="lg" type="none"/>
+          </a:ln>
+        </p:spPr>
+      </p:cxnSp>
+      <p:cxnSp>
+        <p:nvCxnSpPr>
+          <p:cNvPr id="195" name="Shape 195"/>
+          <p:cNvCxnSpPr/>
+          <p:nvPr/>
+        </p:nvCxnSpPr>
+        <p:spPr>
+          <a:xfrm flipH="1">
+            <a:off x="5686550" y="7489525"/>
+            <a:ext cx="2099" cy="2083200"/>
+          </a:xfrm>
+          <a:prstGeom prst="straightConnector1">
+            <a:avLst/>
+          </a:prstGeom>
+          <a:noFill/>
+          <a:ln cap="flat" w="9525">
+            <a:solidFill>
+              <a:srgbClr val="000000"/>
+            </a:solidFill>
+            <a:prstDash val="dash"/>
+            <a:round/>
+            <a:headEnd len="lg" w="lg" type="none"/>
+            <a:tailEnd len="lg" w="lg" type="none"/>
+          </a:ln>
+        </p:spPr>
+      </p:cxnSp>
+      <p:cxnSp>
+        <p:nvCxnSpPr>
+          <p:cNvPr id="196" name="Shape 196"/>
+          <p:cNvCxnSpPr>
+            <a:endCxn id="176" idx="0"/>
+          </p:cNvCxnSpPr>
+          <p:nvPr/>
+        </p:nvCxnSpPr>
+        <p:spPr>
+          <a:xfrm>
+            <a:off x="10729279" y="7489635"/>
+            <a:ext cx="0" cy="1151400"/>
+          </a:xfrm>
+          <a:prstGeom prst="straightConnector1">
+            <a:avLst/>
+          </a:prstGeom>
+          <a:noFill/>
+          <a:ln cap="flat" w="9525">
+            <a:solidFill>
+              <a:srgbClr val="000000"/>
+            </a:solidFill>
+            <a:prstDash val="dash"/>
+            <a:round/>
+            <a:headEnd len="lg" w="lg" type="none"/>
+            <a:tailEnd len="lg" w="lg" type="none"/>
+          </a:ln>
+        </p:spPr>
+      </p:cxnSp>
+      <p:cxnSp>
+        <p:nvCxnSpPr>
+          <p:cNvPr id="197" name="Shape 197"/>
+          <p:cNvCxnSpPr/>
+          <p:nvPr/>
+        </p:nvCxnSpPr>
+        <p:spPr>
+          <a:xfrm>
+            <a:off x="10726500" y="9073050"/>
+            <a:ext cx="5399" cy="561899"/>
+          </a:xfrm>
+          <a:prstGeom prst="straightConnector1">
+            <a:avLst/>
+          </a:prstGeom>
+          <a:noFill/>
+          <a:ln cap="flat" w="9525">
+            <a:solidFill>
+              <a:srgbClr val="000000"/>
+            </a:solidFill>
+            <a:prstDash val="dash"/>
+            <a:round/>
+            <a:headEnd len="lg" w="lg" type="none"/>
+            <a:tailEnd len="lg" w="lg" type="none"/>
+          </a:ln>
+        </p:spPr>
+      </p:cxnSp>
+      <p:cxnSp>
+        <p:nvCxnSpPr>
+          <p:cNvPr id="198" name="Shape 198"/>
+          <p:cNvCxnSpPr/>
+          <p:nvPr/>
+        </p:nvCxnSpPr>
+        <p:spPr>
+          <a:xfrm flipH="1">
+            <a:off x="3952950" y="7489525"/>
+            <a:ext cx="7499" cy="2073600"/>
+          </a:xfrm>
+          <a:prstGeom prst="straightConnector1">
+            <a:avLst/>
+          </a:prstGeom>
+          <a:noFill/>
+          <a:ln cap="flat" w="9525">
+            <a:solidFill>
+              <a:srgbClr val="000000"/>
+            </a:solidFill>
+            <a:prstDash val="dash"/>
+            <a:round/>
+            <a:headEnd len="lg" w="lg" type="none"/>
+            <a:tailEnd len="lg" w="lg" type="none"/>
+          </a:ln>
+        </p:spPr>
+      </p:cxnSp>
     </p:spTree>
   </p:cSld>
   <p:clrMapOvr>
@@ -11308,7 +11578,7 @@
   <p:cSld>
     <p:spTree>
       <p:nvGrpSpPr>
-        <p:cNvPr id="192" name="Shape 192"/>
+        <p:cNvPr id="202" name="Shape 202"/>
         <p:cNvGrpSpPr/>
         <p:nvPr/>
       </p:nvGrpSpPr>
@@ -11322,7 +11592,7 @@
       </p:grpSpPr>
       <p:sp>
         <p:nvSpPr>
-          <p:cNvPr id="193" name="Shape 193"/>
+          <p:cNvPr id="203" name="Shape 203"/>
           <p:cNvSpPr/>
           <p:nvPr/>
         </p:nvSpPr>
@@ -11375,7 +11645,7 @@
       </p:sp>
       <p:sp>
         <p:nvSpPr>
-          <p:cNvPr id="194" name="Shape 194"/>
+          <p:cNvPr id="204" name="Shape 204"/>
           <p:cNvSpPr txBox="1"/>
           <p:nvPr/>
         </p:nvSpPr>
@@ -11422,7 +11692,7 @@
       </p:sp>
       <p:cxnSp>
         <p:nvCxnSpPr>
-          <p:cNvPr id="195" name="Shape 195"/>
+          <p:cNvPr id="205" name="Shape 205"/>
           <p:cNvCxnSpPr/>
           <p:nvPr/>
         </p:nvCxnSpPr>
@@ -11448,7 +11718,7 @@
       </p:cxnSp>
       <p:cxnSp>
         <p:nvCxnSpPr>
-          <p:cNvPr id="196" name="Shape 196"/>
+          <p:cNvPr id="206" name="Shape 206"/>
           <p:cNvCxnSpPr/>
           <p:nvPr/>
         </p:nvCxnSpPr>
@@ -11474,7 +11744,7 @@
       </p:cxnSp>
       <p:sp>
         <p:nvSpPr>
-          <p:cNvPr id="197" name="Shape 197"/>
+          <p:cNvPr id="207" name="Shape 207"/>
           <p:cNvSpPr txBox="1"/>
           <p:nvPr/>
         </p:nvSpPr>
@@ -11521,7 +11791,7 @@
       </p:sp>
       <p:sp>
         <p:nvSpPr>
-          <p:cNvPr id="198" name="Shape 198"/>
+          <p:cNvPr id="208" name="Shape 208"/>
           <p:cNvSpPr/>
           <p:nvPr/>
         </p:nvSpPr>
@@ -11575,7 +11845,7 @@
       </p:sp>
       <p:sp>
         <p:nvSpPr>
-          <p:cNvPr id="199" name="Shape 199"/>
+          <p:cNvPr id="209" name="Shape 209"/>
           <p:cNvSpPr/>
           <p:nvPr/>
         </p:nvSpPr>
@@ -11628,9 +11898,9 @@
       </p:sp>
       <p:cxnSp>
         <p:nvCxnSpPr>
-          <p:cNvPr id="200" name="Shape 200"/>
+          <p:cNvPr id="210" name="Shape 210"/>
           <p:cNvCxnSpPr>
-            <a:stCxn id="199" idx="2"/>
+            <a:stCxn id="209" idx="2"/>
           </p:cNvCxnSpPr>
           <p:nvPr/>
         </p:nvCxnSpPr>
@@ -11656,7 +11926,7 @@
       </p:cxnSp>
       <p:sp>
         <p:nvSpPr>
-          <p:cNvPr id="201" name="Shape 201"/>
+          <p:cNvPr id="211" name="Shape 211"/>
           <p:cNvSpPr/>
           <p:nvPr/>
         </p:nvSpPr>
@@ -11709,7 +11979,7 @@
       </p:sp>
       <p:sp>
         <p:nvSpPr>
-          <p:cNvPr id="202" name="Shape 202"/>
+          <p:cNvPr id="212" name="Shape 212"/>
           <p:cNvSpPr/>
           <p:nvPr/>
         </p:nvSpPr>
@@ -11757,7 +12027,7 @@
       </p:sp>
       <p:cxnSp>
         <p:nvCxnSpPr>
-          <p:cNvPr id="203" name="Shape 203"/>
+          <p:cNvPr id="213" name="Shape 213"/>
           <p:cNvCxnSpPr/>
           <p:nvPr/>
         </p:nvCxnSpPr>
@@ -11783,7 +12053,7 @@
       </p:cxnSp>
       <p:sp>
         <p:nvSpPr>
-          <p:cNvPr id="204" name="Shape 204"/>
+          <p:cNvPr id="214" name="Shape 214"/>
           <p:cNvSpPr/>
           <p:nvPr/>
         </p:nvSpPr>
@@ -11837,7 +12107,7 @@
       </p:sp>
       <p:sp>
         <p:nvSpPr>
-          <p:cNvPr id="205" name="Shape 205"/>
+          <p:cNvPr id="215" name="Shape 215"/>
           <p:cNvSpPr txBox="1"/>
           <p:nvPr/>
         </p:nvSpPr>
@@ -11884,9 +12154,9 @@
       </p:sp>
       <p:cxnSp>
         <p:nvCxnSpPr>
-          <p:cNvPr id="206" name="Shape 206"/>
+          <p:cNvPr id="216" name="Shape 216"/>
           <p:cNvCxnSpPr>
-            <a:stCxn id="201" idx="2"/>
+            <a:stCxn id="211" idx="2"/>
           </p:cNvCxnSpPr>
           <p:nvPr/>
         </p:nvCxnSpPr>
@@ -11912,7 +12182,7 @@
       </p:cxnSp>
       <p:sp>
         <p:nvSpPr>
-          <p:cNvPr id="207" name="Shape 207"/>
+          <p:cNvPr id="217" name="Shape 217"/>
           <p:cNvSpPr/>
           <p:nvPr/>
         </p:nvSpPr>
@@ -11964,7 +12234,7 @@
       </p:sp>
       <p:sp>
         <p:nvSpPr>
-          <p:cNvPr id="208" name="Shape 208"/>
+          <p:cNvPr id="218" name="Shape 218"/>
           <p:cNvSpPr/>
           <p:nvPr/>
         </p:nvSpPr>
@@ -12017,7 +12287,7 @@
       </p:sp>
       <p:sp>
         <p:nvSpPr>
-          <p:cNvPr id="209" name="Shape 209"/>
+          <p:cNvPr id="219" name="Shape 219"/>
           <p:cNvSpPr txBox="1"/>
           <p:nvPr/>
         </p:nvSpPr>
@@ -12064,7 +12334,7 @@
       </p:sp>
       <p:cxnSp>
         <p:nvCxnSpPr>
-          <p:cNvPr id="210" name="Shape 210"/>
+          <p:cNvPr id="220" name="Shape 220"/>
           <p:cNvCxnSpPr/>
           <p:nvPr/>
         </p:nvCxnSpPr>
@@ -12090,7 +12360,7 @@
       </p:cxnSp>
       <p:sp>
         <p:nvSpPr>
-          <p:cNvPr id="211" name="Shape 211"/>
+          <p:cNvPr id="221" name="Shape 221"/>
           <p:cNvSpPr/>
           <p:nvPr/>
         </p:nvSpPr>
@@ -12144,7 +12414,7 @@
       </p:sp>
       <p:sp>
         <p:nvSpPr>
-          <p:cNvPr id="212" name="Shape 212"/>
+          <p:cNvPr id="222" name="Shape 222"/>
           <p:cNvSpPr txBox="1"/>
           <p:nvPr/>
         </p:nvSpPr>
@@ -12205,7 +12475,7 @@
   <p:cSld>
     <p:spTree>
       <p:nvGrpSpPr>
-        <p:cNvPr id="216" name="Shape 216"/>
+        <p:cNvPr id="226" name="Shape 226"/>
         <p:cNvGrpSpPr/>
         <p:nvPr/>
       </p:nvGrpSpPr>
@@ -12219,7 +12489,7 @@
       </p:grpSpPr>
       <p:sp>
         <p:nvSpPr>
-          <p:cNvPr id="217" name="Shape 217"/>
+          <p:cNvPr id="227" name="Shape 227"/>
           <p:cNvSpPr txBox="1"/>
           <p:nvPr/>
         </p:nvSpPr>
@@ -12257,7 +12527,7 @@
       </p:sp>
       <p:sp>
         <p:nvSpPr>
-          <p:cNvPr id="218" name="Shape 218"/>
+          <p:cNvPr id="228" name="Shape 228"/>
           <p:cNvSpPr/>
           <p:nvPr/>
         </p:nvSpPr>
@@ -12301,7 +12571,7 @@
       </p:sp>
       <p:sp>
         <p:nvSpPr>
-          <p:cNvPr id="219" name="Shape 219"/>
+          <p:cNvPr id="229" name="Shape 229"/>
           <p:cNvSpPr/>
           <p:nvPr/>
         </p:nvSpPr>
@@ -12345,10 +12615,10 @@
       </p:sp>
       <p:cxnSp>
         <p:nvCxnSpPr>
-          <p:cNvPr id="220" name="Shape 220"/>
+          <p:cNvPr id="230" name="Shape 230"/>
           <p:cNvCxnSpPr>
-            <a:stCxn id="219" idx="0"/>
-            <a:endCxn id="218" idx="2"/>
+            <a:stCxn id="229" idx="0"/>
+            <a:endCxn id="228" idx="2"/>
           </p:cNvCxnSpPr>
           <p:nvPr/>
         </p:nvCxnSpPr>
@@ -12376,7 +12646,7 @@
       </p:cxnSp>
       <p:cxnSp>
         <p:nvCxnSpPr>
-          <p:cNvPr id="221" name="Shape 221"/>
+          <p:cNvPr id="231" name="Shape 231"/>
           <p:cNvCxnSpPr/>
           <p:nvPr/>
         </p:nvCxnSpPr>
@@ -12402,7 +12672,7 @@
       </p:cxnSp>
       <p:sp>
         <p:nvSpPr>
-          <p:cNvPr id="222" name="Shape 222"/>
+          <p:cNvPr id="232" name="Shape 232"/>
           <p:cNvSpPr/>
           <p:nvPr/>
         </p:nvSpPr>
@@ -12448,7 +12718,7 @@
       </p:sp>
       <p:sp>
         <p:nvSpPr>
-          <p:cNvPr id="223" name="Shape 223"/>
+          <p:cNvPr id="233" name="Shape 233"/>
           <p:cNvSpPr txBox="1"/>
           <p:nvPr/>
         </p:nvSpPr>
@@ -12486,7 +12756,7 @@
       </p:sp>
       <p:sp>
         <p:nvSpPr>
-          <p:cNvPr id="224" name="Shape 224"/>
+          <p:cNvPr id="234" name="Shape 234"/>
           <p:cNvSpPr/>
           <p:nvPr/>
         </p:nvSpPr>
@@ -12530,7 +12800,7 @@
       </p:sp>
       <p:sp>
         <p:nvSpPr>
-          <p:cNvPr id="225" name="Shape 225"/>
+          <p:cNvPr id="235" name="Shape 235"/>
           <p:cNvSpPr/>
           <p:nvPr/>
         </p:nvSpPr>
@@ -12574,7 +12844,7 @@
       </p:sp>
       <p:sp>
         <p:nvSpPr>
-          <p:cNvPr id="226" name="Shape 226"/>
+          <p:cNvPr id="236" name="Shape 236"/>
           <p:cNvSpPr txBox="1"/>
           <p:nvPr/>
         </p:nvSpPr>
@@ -12624,7 +12894,7 @@
       </p:sp>
       <p:sp>
         <p:nvSpPr>
-          <p:cNvPr id="227" name="Shape 227"/>
+          <p:cNvPr id="237" name="Shape 237"/>
           <p:cNvSpPr/>
           <p:nvPr/>
         </p:nvSpPr>
@@ -12668,7 +12938,7 @@
       </p:sp>
       <p:sp>
         <p:nvSpPr>
-          <p:cNvPr id="228" name="Shape 228"/>
+          <p:cNvPr id="238" name="Shape 238"/>
           <p:cNvSpPr/>
           <p:nvPr/>
         </p:nvSpPr>
@@ -12706,10 +12976,10 @@
       </p:sp>
       <p:cxnSp>
         <p:nvCxnSpPr>
-          <p:cNvPr id="229" name="Shape 229"/>
+          <p:cNvPr id="239" name="Shape 239"/>
           <p:cNvCxnSpPr>
-            <a:stCxn id="227" idx="2"/>
-            <a:endCxn id="228" idx="0"/>
+            <a:stCxn id="237" idx="2"/>
+            <a:endCxn id="238" idx="0"/>
           </p:cNvCxnSpPr>
           <p:nvPr/>
         </p:nvCxnSpPr>
@@ -12737,9 +13007,9 @@
       </p:cxnSp>
       <p:cxnSp>
         <p:nvCxnSpPr>
-          <p:cNvPr id="230" name="Shape 230"/>
+          <p:cNvPr id="240" name="Shape 240"/>
           <p:cNvCxnSpPr>
-            <a:endCxn id="228" idx="1"/>
+            <a:endCxn id="238" idx="1"/>
           </p:cNvCxnSpPr>
           <p:nvPr/>
         </p:nvCxnSpPr>
@@ -12765,7 +13035,7 @@
       </p:cxnSp>
       <p:sp>
         <p:nvSpPr>
-          <p:cNvPr id="231" name="Shape 231"/>
+          <p:cNvPr id="241" name="Shape 241"/>
           <p:cNvSpPr/>
           <p:nvPr/>
         </p:nvSpPr>
@@ -12803,7 +13073,7 @@
       </p:sp>
       <p:cxnSp>
         <p:nvCxnSpPr>
-          <p:cNvPr id="232" name="Shape 232"/>
+          <p:cNvPr id="242" name="Shape 242"/>
           <p:cNvCxnSpPr/>
           <p:nvPr/>
         </p:nvCxnSpPr>
@@ -12829,7 +13099,7 @@
       </p:cxnSp>
       <p:sp>
         <p:nvSpPr>
-          <p:cNvPr id="233" name="Shape 233"/>
+          <p:cNvPr id="243" name="Shape 243"/>
           <p:cNvSpPr/>
           <p:nvPr/>
         </p:nvSpPr>
@@ -12873,7 +13143,7 @@
       </p:sp>
       <p:sp>
         <p:nvSpPr>
-          <p:cNvPr id="234" name="Shape 234"/>
+          <p:cNvPr id="244" name="Shape 244"/>
           <p:cNvSpPr txBox="1"/>
           <p:nvPr/>
         </p:nvSpPr>
@@ -12911,7 +13181,7 @@
       </p:sp>
       <p:sp>
         <p:nvSpPr>
-          <p:cNvPr id="235" name="Shape 235"/>
+          <p:cNvPr id="245" name="Shape 245"/>
           <p:cNvSpPr txBox="1"/>
           <p:nvPr/>
         </p:nvSpPr>
@@ -12949,7 +13219,7 @@
       </p:sp>
       <p:sp>
         <p:nvSpPr>
-          <p:cNvPr id="236" name="Shape 236"/>
+          <p:cNvPr id="246" name="Shape 246"/>
           <p:cNvSpPr/>
           <p:nvPr/>
         </p:nvSpPr>
@@ -12987,7 +13257,7 @@
       </p:sp>
       <p:cxnSp>
         <p:nvCxnSpPr>
-          <p:cNvPr id="237" name="Shape 237"/>
+          <p:cNvPr id="247" name="Shape 247"/>
           <p:cNvCxnSpPr/>
           <p:nvPr/>
         </p:nvCxnSpPr>
@@ -13013,7 +13283,7 @@
       </p:cxnSp>
       <p:sp>
         <p:nvSpPr>
-          <p:cNvPr id="238" name="Shape 238"/>
+          <p:cNvPr id="248" name="Shape 248"/>
           <p:cNvSpPr txBox="1"/>
           <p:nvPr/>
         </p:nvSpPr>
@@ -13051,9 +13321,9 @@
       </p:sp>
       <p:cxnSp>
         <p:nvCxnSpPr>
-          <p:cNvPr id="239" name="Shape 239"/>
+          <p:cNvPr id="249" name="Shape 249"/>
           <p:cNvCxnSpPr>
-            <a:stCxn id="219" idx="2"/>
+            <a:stCxn id="229" idx="2"/>
           </p:cNvCxnSpPr>
           <p:nvPr/>
         </p:nvCxnSpPr>
@@ -13079,9 +13349,9 @@
       </p:cxnSp>
       <p:cxnSp>
         <p:nvCxnSpPr>
-          <p:cNvPr id="240" name="Shape 240"/>
+          <p:cNvPr id="250" name="Shape 250"/>
           <p:cNvCxnSpPr>
-            <a:stCxn id="233" idx="2"/>
+            <a:stCxn id="243" idx="2"/>
           </p:cNvCxnSpPr>
           <p:nvPr/>
         </p:nvCxnSpPr>
@@ -13117,560 +13387,6 @@
 </file>
 
 <file path=ppt/theme/theme1.xml><?xml version="1.0" encoding="utf-8"?>
-<a:theme xmlns:a="http://schemas.openxmlformats.org/drawingml/2006/main" xmlns:r="http://schemas.openxmlformats.org/officeDocument/2006/relationships" name="Custom Theme">
-  <a:themeElements>
-    <a:clrScheme name="Default">
-      <a:dk1>
-        <a:srgbClr val="000000"/>
-      </a:dk1>
-      <a:lt1>
-        <a:srgbClr val="FFFFFF"/>
-      </a:lt1>
-      <a:dk2>
-        <a:srgbClr val="158158"/>
-      </a:dk2>
-      <a:lt2>
-        <a:srgbClr val="F3F3F3"/>
-      </a:lt2>
-      <a:accent1>
-        <a:srgbClr val="058DC7"/>
-      </a:accent1>
-      <a:accent2>
-        <a:srgbClr val="50B432"/>
-      </a:accent2>
-      <a:accent3>
-        <a:srgbClr val="ED561B"/>
-      </a:accent3>
-      <a:accent4>
-        <a:srgbClr val="EDEF00"/>
-      </a:accent4>
-      <a:accent5>
-        <a:srgbClr val="24CBE5"/>
-      </a:accent5>
-      <a:accent6>
-        <a:srgbClr val="64E572"/>
-      </a:accent6>
-      <a:hlink>
-        <a:srgbClr val="2200CC"/>
-      </a:hlink>
-      <a:folHlink>
-        <a:srgbClr val="551A8B"/>
-      </a:folHlink>
-    </a:clrScheme>
-    <a:fontScheme name="Office">
-      <a:majorFont>
-        <a:latin typeface="Arial"/>
-        <a:ea typeface=""/>
-        <a:cs typeface=""/>
-        <a:font script="Jpan" typeface="ＭＳ Ｐゴシック"/>
-        <a:font script="Hang" typeface="맑은 고딕"/>
-        <a:font script="Hans" typeface="宋体"/>
-        <a:font script="Hant" typeface="新細明體"/>
-        <a:font script="Arab" typeface="Times New Roman"/>
-        <a:font script="Hebr" typeface="Times New Roman"/>
-        <a:font script="Thai" typeface="Angsana New"/>
-        <a:font script="Ethi" typeface="Nyala"/>
-        <a:font script="Beng" typeface="Vrinda"/>
-        <a:font script="Gujr" typeface="Shruti"/>
-        <a:font script="Khmr" typeface="MoolBoran"/>
-        <a:font script="Knda" typeface="Tunga"/>
-        <a:font script="Guru" typeface="Raavi"/>
-        <a:font script="Cans" typeface="Euphemia"/>
-        <a:font script="Cher" typeface="Plantagenet Cherokee"/>
-        <a:font script="Yiii" typeface="Microsoft Yi Baiti"/>
-        <a:font script="Tibt" typeface="Microsoft Himalaya"/>
-        <a:font script="Thaa" typeface="MV Boli"/>
-        <a:font script="Deva" typeface="Mangal"/>
-        <a:font script="Telu" typeface="Gautami"/>
-        <a:font script="Taml" typeface="Latha"/>
-        <a:font script="Syrc" typeface="Estrangelo Edessa"/>
-        <a:font script="Orya" typeface="Kalinga"/>
-        <a:font script="Mlym" typeface="Kartika"/>
-        <a:font script="Laoo" typeface="DokChampa"/>
-        <a:font script="Sinh" typeface="Iskoola Pota"/>
-        <a:font script="Mong" typeface="Mongolian Baiti"/>
-        <a:font script="Viet" typeface="Times New Roman"/>
-        <a:font script="Uigh" typeface="Microsoft Uighur"/>
-      </a:majorFont>
-      <a:minorFont>
-        <a:latin typeface="Arial"/>
-        <a:ea typeface=""/>
-        <a:cs typeface=""/>
-        <a:font script="Jpan" typeface="ＭＳ Ｐゴシック"/>
-        <a:font script="Hang" typeface="맑은 고딕"/>
-        <a:font script="Hans" typeface="宋体"/>
-        <a:font script="Hant" typeface="新細明體"/>
-        <a:font script="Arab" typeface="Times New Roman"/>
-        <a:font script="Hebr" typeface="Times New Roman"/>
-        <a:font script="Thai" typeface="Angsana New"/>
-        <a:font script="Ethi" typeface="Nyala"/>
-        <a:font script="Beng" typeface="Vrinda"/>
-        <a:font script="Gujr" typeface="Shruti"/>
-        <a:font script="Khmr" typeface="MoolBoran"/>
-        <a:font script="Knda" typeface="Tunga"/>
-        <a:font script="Guru" typeface="Raavi"/>
-        <a:font script="Cans" typeface="Euphemia"/>
-        <a:font script="Cher" typeface="Plantagenet Cherokee"/>
-        <a:font script="Yiii" typeface="Microsoft Yi Baiti"/>
-        <a:font script="Tibt" typeface="Microsoft Himalaya"/>
-        <a:font script="Thaa" typeface="MV Boli"/>
-        <a:font script="Deva" typeface="Mangal"/>
-        <a:font script="Telu" typeface="Gautami"/>
-        <a:font script="Taml" typeface="Latha"/>
-        <a:font script="Syrc" typeface="Estrangelo Edessa"/>
-        <a:font script="Orya" typeface="Kalinga"/>
-        <a:font script="Mlym" typeface="Kartika"/>
-        <a:font script="Laoo" typeface="DokChampa"/>
-        <a:font script="Sinh" typeface="Iskoola Pota"/>
-        <a:font script="Mong" typeface="Mongolian Baiti"/>
-        <a:font script="Viet" typeface="Times New Roman"/>
-        <a:font script="Uigh" typeface="Microsoft Uighur"/>
-      </a:minorFont>
-    </a:fontScheme>
-    <a:fmtScheme name="Office">
-      <a:fillStyleLst>
-        <a:solidFill>
-          <a:schemeClr val="phClr"/>
-        </a:solidFill>
-        <a:gradFill rotWithShape="1">
-          <a:gsLst>
-            <a:gs pos="0">
-              <a:schemeClr val="phClr">
-                <a:tint val="50000"/>
-                <a:satMod val="300000"/>
-              </a:schemeClr>
-            </a:gs>
-            <a:gs pos="35000">
-              <a:schemeClr val="phClr">
-                <a:tint val="37000"/>
-                <a:satMod val="300000"/>
-              </a:schemeClr>
-            </a:gs>
-            <a:gs pos="100000">
-              <a:schemeClr val="phClr">
-                <a:tint val="15000"/>
-                <a:satMod val="350000"/>
-              </a:schemeClr>
-            </a:gs>
-          </a:gsLst>
-          <a:lin ang="16200000" scaled="1"/>
-        </a:gradFill>
-        <a:gradFill rotWithShape="1">
-          <a:gsLst>
-            <a:gs pos="0">
-              <a:schemeClr val="phClr">
-                <a:tint val="100000"/>
-                <a:shade val="100000"/>
-                <a:satMod val="130000"/>
-              </a:schemeClr>
-            </a:gs>
-            <a:gs pos="100000">
-              <a:schemeClr val="phClr">
-                <a:tint val="50000"/>
-                <a:shade val="100000"/>
-                <a:satMod val="350000"/>
-              </a:schemeClr>
-            </a:gs>
-          </a:gsLst>
-          <a:lin ang="16200000" scaled="0"/>
-        </a:gradFill>
-      </a:fillStyleLst>
-      <a:lnStyleLst>
-        <a:ln cap="flat" cmpd="sng" w="9525" algn="ctr">
-          <a:solidFill>
-            <a:schemeClr val="phClr">
-              <a:shade val="95000"/>
-              <a:satMod val="105000"/>
-            </a:schemeClr>
-          </a:solidFill>
-          <a:prstDash val="solid"/>
-        </a:ln>
-        <a:ln cap="flat" cmpd="sng" w="25400" algn="ctr">
-          <a:solidFill>
-            <a:schemeClr val="phClr"/>
-          </a:solidFill>
-          <a:prstDash val="solid"/>
-        </a:ln>
-        <a:ln cap="flat" cmpd="sng" w="38100" algn="ctr">
-          <a:solidFill>
-            <a:schemeClr val="phClr"/>
-          </a:solidFill>
-          <a:prstDash val="solid"/>
-        </a:ln>
-      </a:lnStyleLst>
-      <a:effectStyleLst>
-        <a:effectStyle>
-          <a:effectLst>
-            <a:outerShdw blurRad="40000" rotWithShape="0" dir="5400000" dist="20000">
-              <a:srgbClr val="000000">
-                <a:alpha val="38000"/>
-              </a:srgbClr>
-            </a:outerShdw>
-          </a:effectLst>
-        </a:effectStyle>
-        <a:effectStyle>
-          <a:effectLst>
-            <a:outerShdw blurRad="40000" rotWithShape="0" dir="5400000" dist="23000">
-              <a:srgbClr val="000000">
-                <a:alpha val="35000"/>
-              </a:srgbClr>
-            </a:outerShdw>
-          </a:effectLst>
-        </a:effectStyle>
-        <a:effectStyle>
-          <a:effectLst>
-            <a:outerShdw blurRad="40000" rotWithShape="0" dir="5400000" dist="23000">
-              <a:srgbClr val="000000">
-                <a:alpha val="35000"/>
-              </a:srgbClr>
-            </a:outerShdw>
-          </a:effectLst>
-          <a:scene3d>
-            <a:camera prst="orthographicFront">
-              <a:rot lat="0" lon="0" rev="0"/>
-            </a:camera>
-            <a:lightRig dir="t" rig="threePt">
-              <a:rot lat="0" lon="0" rev="1200000"/>
-            </a:lightRig>
-          </a:scene3d>
-          <a:sp3d>
-            <a:bevelT h="25400" w="63500"/>
-          </a:sp3d>
-        </a:effectStyle>
-      </a:effectStyleLst>
-      <a:bgFillStyleLst>
-        <a:solidFill>
-          <a:schemeClr val="phClr"/>
-        </a:solidFill>
-        <a:gradFill rotWithShape="1">
-          <a:gsLst>
-            <a:gs pos="0">
-              <a:schemeClr val="phClr">
-                <a:tint val="40000"/>
-                <a:satMod val="350000"/>
-              </a:schemeClr>
-            </a:gs>
-            <a:gs pos="40000">
-              <a:schemeClr val="phClr">
-                <a:tint val="45000"/>
-                <a:shade val="99000"/>
-                <a:satMod val="350000"/>
-              </a:schemeClr>
-            </a:gs>
-            <a:gs pos="100000">
-              <a:schemeClr val="phClr">
-                <a:shade val="20000"/>
-                <a:satMod val="255000"/>
-              </a:schemeClr>
-            </a:gs>
-          </a:gsLst>
-          <a:path path="circle">
-            <a:fillToRect b="180000" l="50000" r="50000" t="-80000"/>
-          </a:path>
-        </a:gradFill>
-        <a:gradFill rotWithShape="1">
-          <a:gsLst>
-            <a:gs pos="0">
-              <a:schemeClr val="phClr">
-                <a:tint val="80000"/>
-                <a:satMod val="300000"/>
-              </a:schemeClr>
-            </a:gs>
-            <a:gs pos="100000">
-              <a:schemeClr val="phClr">
-                <a:shade val="30000"/>
-                <a:satMod val="200000"/>
-              </a:schemeClr>
-            </a:gs>
-          </a:gsLst>
-          <a:path path="circle">
-            <a:fillToRect b="50000" l="50000" r="50000" t="50000"/>
-          </a:path>
-        </a:gradFill>
-      </a:bgFillStyleLst>
-    </a:fmtScheme>
-  </a:themeElements>
-</a:theme>
-</file>
-
-<file path=ppt/theme/theme2.xml><?xml version="1.0" encoding="utf-8"?>
-<a:theme xmlns:a="http://schemas.openxmlformats.org/drawingml/2006/main" xmlns:r="http://schemas.openxmlformats.org/officeDocument/2006/relationships" name="Thème Office">
-  <a:themeElements>
-    <a:clrScheme name="Office">
-      <a:dk1>
-        <a:srgbClr val="000000"/>
-      </a:dk1>
-      <a:lt1>
-        <a:srgbClr val="FFFFFF"/>
-      </a:lt1>
-      <a:dk2>
-        <a:srgbClr val="1F497D"/>
-      </a:dk2>
-      <a:lt2>
-        <a:srgbClr val="EEECE1"/>
-      </a:lt2>
-      <a:accent1>
-        <a:srgbClr val="4F81BD"/>
-      </a:accent1>
-      <a:accent2>
-        <a:srgbClr val="C0504D"/>
-      </a:accent2>
-      <a:accent3>
-        <a:srgbClr val="9BBB59"/>
-      </a:accent3>
-      <a:accent4>
-        <a:srgbClr val="8064A2"/>
-      </a:accent4>
-      <a:accent5>
-        <a:srgbClr val="4BACC6"/>
-      </a:accent5>
-      <a:accent6>
-        <a:srgbClr val="F79646"/>
-      </a:accent6>
-      <a:hlink>
-        <a:srgbClr val="0000FF"/>
-      </a:hlink>
-      <a:folHlink>
-        <a:srgbClr val="800080"/>
-      </a:folHlink>
-    </a:clrScheme>
-    <a:fontScheme name="Office">
-      <a:majorFont>
-        <a:latin typeface="Arial"/>
-        <a:ea typeface=""/>
-        <a:cs typeface=""/>
-        <a:font script="Jpan" typeface="ＭＳ Ｐゴシック"/>
-        <a:font script="Hang" typeface="맑은 고딕"/>
-        <a:font script="Hans" typeface="宋体"/>
-        <a:font script="Hant" typeface="新細明體"/>
-        <a:font script="Arab" typeface="Times New Roman"/>
-        <a:font script="Hebr" typeface="Times New Roman"/>
-        <a:font script="Thai" typeface="Angsana New"/>
-        <a:font script="Ethi" typeface="Nyala"/>
-        <a:font script="Beng" typeface="Vrinda"/>
-        <a:font script="Gujr" typeface="Shruti"/>
-        <a:font script="Khmr" typeface="MoolBoran"/>
-        <a:font script="Knda" typeface="Tunga"/>
-        <a:font script="Guru" typeface="Raavi"/>
-        <a:font script="Cans" typeface="Euphemia"/>
-        <a:font script="Cher" typeface="Plantagenet Cherokee"/>
-        <a:font script="Yiii" typeface="Microsoft Yi Baiti"/>
-        <a:font script="Tibt" typeface="Microsoft Himalaya"/>
-        <a:font script="Thaa" typeface="MV Boli"/>
-        <a:font script="Deva" typeface="Mangal"/>
-        <a:font script="Telu" typeface="Gautami"/>
-        <a:font script="Taml" typeface="Latha"/>
-        <a:font script="Syrc" typeface="Estrangelo Edessa"/>
-        <a:font script="Orya" typeface="Kalinga"/>
-        <a:font script="Mlym" typeface="Kartika"/>
-        <a:font script="Laoo" typeface="DokChampa"/>
-        <a:font script="Sinh" typeface="Iskoola Pota"/>
-        <a:font script="Mong" typeface="Mongolian Baiti"/>
-        <a:font script="Viet" typeface="Times New Roman"/>
-        <a:font script="Uigh" typeface="Microsoft Uighur"/>
-      </a:majorFont>
-      <a:minorFont>
-        <a:latin typeface="Arial"/>
-        <a:ea typeface=""/>
-        <a:cs typeface=""/>
-        <a:font script="Jpan" typeface="ＭＳ Ｐゴシック"/>
-        <a:font script="Hang" typeface="맑은 고딕"/>
-        <a:font script="Hans" typeface="宋体"/>
-        <a:font script="Hant" typeface="新細明體"/>
-        <a:font script="Arab" typeface="Times New Roman"/>
-        <a:font script="Hebr" typeface="Times New Roman"/>
-        <a:font script="Thai" typeface="Angsana New"/>
-        <a:font script="Ethi" typeface="Nyala"/>
-        <a:font script="Beng" typeface="Vrinda"/>
-        <a:font script="Gujr" typeface="Shruti"/>
-        <a:font script="Khmr" typeface="MoolBoran"/>
-        <a:font script="Knda" typeface="Tunga"/>
-        <a:font script="Guru" typeface="Raavi"/>
-        <a:font script="Cans" typeface="Euphemia"/>
-        <a:font script="Cher" typeface="Plantagenet Cherokee"/>
-        <a:font script="Yiii" typeface="Microsoft Yi Baiti"/>
-        <a:font script="Tibt" typeface="Microsoft Himalaya"/>
-        <a:font script="Thaa" typeface="MV Boli"/>
-        <a:font script="Deva" typeface="Mangal"/>
-        <a:font script="Telu" typeface="Gautami"/>
-        <a:font script="Taml" typeface="Latha"/>
-        <a:font script="Syrc" typeface="Estrangelo Edessa"/>
-        <a:font script="Orya" typeface="Kalinga"/>
-        <a:font script="Mlym" typeface="Kartika"/>
-        <a:font script="Laoo" typeface="DokChampa"/>
-        <a:font script="Sinh" typeface="Iskoola Pota"/>
-        <a:font script="Mong" typeface="Mongolian Baiti"/>
-        <a:font script="Viet" typeface="Times New Roman"/>
-        <a:font script="Uigh" typeface="Microsoft Uighur"/>
-      </a:minorFont>
-    </a:fontScheme>
-    <a:fmtScheme name="Office">
-      <a:fillStyleLst>
-        <a:solidFill>
-          <a:schemeClr val="phClr"/>
-        </a:solidFill>
-        <a:gradFill rotWithShape="1">
-          <a:gsLst>
-            <a:gs pos="0">
-              <a:schemeClr val="phClr">
-                <a:tint val="50000"/>
-                <a:satMod val="300000"/>
-              </a:schemeClr>
-            </a:gs>
-            <a:gs pos="35000">
-              <a:schemeClr val="phClr">
-                <a:tint val="37000"/>
-                <a:satMod val="300000"/>
-              </a:schemeClr>
-            </a:gs>
-            <a:gs pos="100000">
-              <a:schemeClr val="phClr">
-                <a:tint val="15000"/>
-                <a:satMod val="350000"/>
-              </a:schemeClr>
-            </a:gs>
-          </a:gsLst>
-          <a:lin ang="16200000" scaled="1"/>
-        </a:gradFill>
-        <a:gradFill rotWithShape="1">
-          <a:gsLst>
-            <a:gs pos="0">
-              <a:schemeClr val="phClr">
-                <a:tint val="100000"/>
-                <a:shade val="100000"/>
-                <a:satMod val="130000"/>
-              </a:schemeClr>
-            </a:gs>
-            <a:gs pos="100000">
-              <a:schemeClr val="phClr">
-                <a:tint val="50000"/>
-                <a:shade val="100000"/>
-                <a:satMod val="350000"/>
-              </a:schemeClr>
-            </a:gs>
-          </a:gsLst>
-          <a:lin ang="16200000" scaled="0"/>
-        </a:gradFill>
-      </a:fillStyleLst>
-      <a:lnStyleLst>
-        <a:ln cap="flat" cmpd="sng" w="9525" algn="ctr">
-          <a:solidFill>
-            <a:schemeClr val="phClr">
-              <a:shade val="95000"/>
-              <a:satMod val="105000"/>
-            </a:schemeClr>
-          </a:solidFill>
-          <a:prstDash val="solid"/>
-        </a:ln>
-        <a:ln cap="flat" cmpd="sng" w="25400" algn="ctr">
-          <a:solidFill>
-            <a:schemeClr val="phClr"/>
-          </a:solidFill>
-          <a:prstDash val="solid"/>
-        </a:ln>
-        <a:ln cap="flat" cmpd="sng" w="38100" algn="ctr">
-          <a:solidFill>
-            <a:schemeClr val="phClr"/>
-          </a:solidFill>
-          <a:prstDash val="solid"/>
-        </a:ln>
-      </a:lnStyleLst>
-      <a:effectStyleLst>
-        <a:effectStyle>
-          <a:effectLst>
-            <a:outerShdw blurRad="40000" rotWithShape="0" dir="5400000" dist="20000">
-              <a:srgbClr val="000000">
-                <a:alpha val="38000"/>
-              </a:srgbClr>
-            </a:outerShdw>
-          </a:effectLst>
-        </a:effectStyle>
-        <a:effectStyle>
-          <a:effectLst>
-            <a:outerShdw blurRad="40000" rotWithShape="0" dir="5400000" dist="23000">
-              <a:srgbClr val="000000">
-                <a:alpha val="35000"/>
-              </a:srgbClr>
-            </a:outerShdw>
-          </a:effectLst>
-        </a:effectStyle>
-        <a:effectStyle>
-          <a:effectLst>
-            <a:outerShdw blurRad="40000" rotWithShape="0" dir="5400000" dist="23000">
-              <a:srgbClr val="000000">
-                <a:alpha val="35000"/>
-              </a:srgbClr>
-            </a:outerShdw>
-          </a:effectLst>
-          <a:scene3d>
-            <a:camera prst="orthographicFront">
-              <a:rot lat="0" lon="0" rev="0"/>
-            </a:camera>
-            <a:lightRig dir="t" rig="threePt">
-              <a:rot lat="0" lon="0" rev="1200000"/>
-            </a:lightRig>
-          </a:scene3d>
-          <a:sp3d>
-            <a:bevelT h="25400" w="63500"/>
-          </a:sp3d>
-        </a:effectStyle>
-      </a:effectStyleLst>
-      <a:bgFillStyleLst>
-        <a:solidFill>
-          <a:schemeClr val="phClr"/>
-        </a:solidFill>
-        <a:gradFill rotWithShape="1">
-          <a:gsLst>
-            <a:gs pos="0">
-              <a:schemeClr val="phClr">
-                <a:tint val="40000"/>
-                <a:satMod val="350000"/>
-              </a:schemeClr>
-            </a:gs>
-            <a:gs pos="40000">
-              <a:schemeClr val="phClr">
-                <a:tint val="45000"/>
-                <a:shade val="99000"/>
-                <a:satMod val="350000"/>
-              </a:schemeClr>
-            </a:gs>
-            <a:gs pos="100000">
-              <a:schemeClr val="phClr">
-                <a:shade val="20000"/>
-                <a:satMod val="255000"/>
-              </a:schemeClr>
-            </a:gs>
-          </a:gsLst>
-          <a:path path="circle">
-            <a:fillToRect b="180000" l="50000" r="50000" t="-80000"/>
-          </a:path>
-        </a:gradFill>
-        <a:gradFill rotWithShape="1">
-          <a:gsLst>
-            <a:gs pos="0">
-              <a:schemeClr val="phClr">
-                <a:tint val="80000"/>
-                <a:satMod val="300000"/>
-              </a:schemeClr>
-            </a:gs>
-            <a:gs pos="100000">
-              <a:schemeClr val="phClr">
-                <a:shade val="30000"/>
-                <a:satMod val="200000"/>
-              </a:schemeClr>
-            </a:gs>
-          </a:gsLst>
-          <a:path path="circle">
-            <a:fillToRect b="50000" l="50000" r="50000" t="50000"/>
-          </a:path>
-        </a:gradFill>
-      </a:bgFillStyleLst>
-    </a:fmtScheme>
-  </a:themeElements>
-</a:theme>
-</file>
-
-<file path=ppt/theme/theme3.xml><?xml version="1.0" encoding="utf-8"?>
 <a:theme xmlns:a="http://schemas.openxmlformats.org/drawingml/2006/main" xmlns:r="http://schemas.openxmlformats.org/officeDocument/2006/relationships" name="Office Theme">
   <a:themeElements>
     <a:clrScheme name="Office">
@@ -13985,4 +13701,558 @@
     </a:lnDef>
   </a:objectDefaults>
 </a:theme>
+</file>
+
+<file path=ppt/theme/theme2.xml><?xml version="1.0" encoding="utf-8"?>
+<a:theme xmlns:a="http://schemas.openxmlformats.org/drawingml/2006/main" xmlns:r="http://schemas.openxmlformats.org/officeDocument/2006/relationships" name="Custom Theme">
+  <a:themeElements>
+    <a:clrScheme name="Default">
+      <a:dk1>
+        <a:srgbClr val="000000"/>
+      </a:dk1>
+      <a:lt1>
+        <a:srgbClr val="FFFFFF"/>
+      </a:lt1>
+      <a:dk2>
+        <a:srgbClr val="158158"/>
+      </a:dk2>
+      <a:lt2>
+        <a:srgbClr val="F3F3F3"/>
+      </a:lt2>
+      <a:accent1>
+        <a:srgbClr val="058DC7"/>
+      </a:accent1>
+      <a:accent2>
+        <a:srgbClr val="50B432"/>
+      </a:accent2>
+      <a:accent3>
+        <a:srgbClr val="ED561B"/>
+      </a:accent3>
+      <a:accent4>
+        <a:srgbClr val="EDEF00"/>
+      </a:accent4>
+      <a:accent5>
+        <a:srgbClr val="24CBE5"/>
+      </a:accent5>
+      <a:accent6>
+        <a:srgbClr val="64E572"/>
+      </a:accent6>
+      <a:hlink>
+        <a:srgbClr val="2200CC"/>
+      </a:hlink>
+      <a:folHlink>
+        <a:srgbClr val="551A8B"/>
+      </a:folHlink>
+    </a:clrScheme>
+    <a:fontScheme name="Office">
+      <a:majorFont>
+        <a:latin typeface="Arial"/>
+        <a:ea typeface=""/>
+        <a:cs typeface=""/>
+        <a:font script="Jpan" typeface="ＭＳ Ｐゴシック"/>
+        <a:font script="Hang" typeface="맑은 고딕"/>
+        <a:font script="Hans" typeface="宋体"/>
+        <a:font script="Hant" typeface="新細明體"/>
+        <a:font script="Arab" typeface="Times New Roman"/>
+        <a:font script="Hebr" typeface="Times New Roman"/>
+        <a:font script="Thai" typeface="Angsana New"/>
+        <a:font script="Ethi" typeface="Nyala"/>
+        <a:font script="Beng" typeface="Vrinda"/>
+        <a:font script="Gujr" typeface="Shruti"/>
+        <a:font script="Khmr" typeface="MoolBoran"/>
+        <a:font script="Knda" typeface="Tunga"/>
+        <a:font script="Guru" typeface="Raavi"/>
+        <a:font script="Cans" typeface="Euphemia"/>
+        <a:font script="Cher" typeface="Plantagenet Cherokee"/>
+        <a:font script="Yiii" typeface="Microsoft Yi Baiti"/>
+        <a:font script="Tibt" typeface="Microsoft Himalaya"/>
+        <a:font script="Thaa" typeface="MV Boli"/>
+        <a:font script="Deva" typeface="Mangal"/>
+        <a:font script="Telu" typeface="Gautami"/>
+        <a:font script="Taml" typeface="Latha"/>
+        <a:font script="Syrc" typeface="Estrangelo Edessa"/>
+        <a:font script="Orya" typeface="Kalinga"/>
+        <a:font script="Mlym" typeface="Kartika"/>
+        <a:font script="Laoo" typeface="DokChampa"/>
+        <a:font script="Sinh" typeface="Iskoola Pota"/>
+        <a:font script="Mong" typeface="Mongolian Baiti"/>
+        <a:font script="Viet" typeface="Times New Roman"/>
+        <a:font script="Uigh" typeface="Microsoft Uighur"/>
+      </a:majorFont>
+      <a:minorFont>
+        <a:latin typeface="Arial"/>
+        <a:ea typeface=""/>
+        <a:cs typeface=""/>
+        <a:font script="Jpan" typeface="ＭＳ Ｐゴシック"/>
+        <a:font script="Hang" typeface="맑은 고딕"/>
+        <a:font script="Hans" typeface="宋体"/>
+        <a:font script="Hant" typeface="新細明體"/>
+        <a:font script="Arab" typeface="Times New Roman"/>
+        <a:font script="Hebr" typeface="Times New Roman"/>
+        <a:font script="Thai" typeface="Angsana New"/>
+        <a:font script="Ethi" typeface="Nyala"/>
+        <a:font script="Beng" typeface="Vrinda"/>
+        <a:font script="Gujr" typeface="Shruti"/>
+        <a:font script="Khmr" typeface="MoolBoran"/>
+        <a:font script="Knda" typeface="Tunga"/>
+        <a:font script="Guru" typeface="Raavi"/>
+        <a:font script="Cans" typeface="Euphemia"/>
+        <a:font script="Cher" typeface="Plantagenet Cherokee"/>
+        <a:font script="Yiii" typeface="Microsoft Yi Baiti"/>
+        <a:font script="Tibt" typeface="Microsoft Himalaya"/>
+        <a:font script="Thaa" typeface="MV Boli"/>
+        <a:font script="Deva" typeface="Mangal"/>
+        <a:font script="Telu" typeface="Gautami"/>
+        <a:font script="Taml" typeface="Latha"/>
+        <a:font script="Syrc" typeface="Estrangelo Edessa"/>
+        <a:font script="Orya" typeface="Kalinga"/>
+        <a:font script="Mlym" typeface="Kartika"/>
+        <a:font script="Laoo" typeface="DokChampa"/>
+        <a:font script="Sinh" typeface="Iskoola Pota"/>
+        <a:font script="Mong" typeface="Mongolian Baiti"/>
+        <a:font script="Viet" typeface="Times New Roman"/>
+        <a:font script="Uigh" typeface="Microsoft Uighur"/>
+      </a:minorFont>
+    </a:fontScheme>
+    <a:fmtScheme name="Office">
+      <a:fillStyleLst>
+        <a:solidFill>
+          <a:schemeClr val="phClr"/>
+        </a:solidFill>
+        <a:gradFill rotWithShape="1">
+          <a:gsLst>
+            <a:gs pos="0">
+              <a:schemeClr val="phClr">
+                <a:tint val="50000"/>
+                <a:satMod val="300000"/>
+              </a:schemeClr>
+            </a:gs>
+            <a:gs pos="35000">
+              <a:schemeClr val="phClr">
+                <a:tint val="37000"/>
+                <a:satMod val="300000"/>
+              </a:schemeClr>
+            </a:gs>
+            <a:gs pos="100000">
+              <a:schemeClr val="phClr">
+                <a:tint val="15000"/>
+                <a:satMod val="350000"/>
+              </a:schemeClr>
+            </a:gs>
+          </a:gsLst>
+          <a:lin ang="16200000" scaled="1"/>
+        </a:gradFill>
+        <a:gradFill rotWithShape="1">
+          <a:gsLst>
+            <a:gs pos="0">
+              <a:schemeClr val="phClr">
+                <a:tint val="100000"/>
+                <a:shade val="100000"/>
+                <a:satMod val="130000"/>
+              </a:schemeClr>
+            </a:gs>
+            <a:gs pos="100000">
+              <a:schemeClr val="phClr">
+                <a:tint val="50000"/>
+                <a:shade val="100000"/>
+                <a:satMod val="350000"/>
+              </a:schemeClr>
+            </a:gs>
+          </a:gsLst>
+          <a:lin ang="16200000" scaled="0"/>
+        </a:gradFill>
+      </a:fillStyleLst>
+      <a:lnStyleLst>
+        <a:ln cap="flat" cmpd="sng" w="9525" algn="ctr">
+          <a:solidFill>
+            <a:schemeClr val="phClr">
+              <a:shade val="95000"/>
+              <a:satMod val="105000"/>
+            </a:schemeClr>
+          </a:solidFill>
+          <a:prstDash val="solid"/>
+        </a:ln>
+        <a:ln cap="flat" cmpd="sng" w="25400" algn="ctr">
+          <a:solidFill>
+            <a:schemeClr val="phClr"/>
+          </a:solidFill>
+          <a:prstDash val="solid"/>
+        </a:ln>
+        <a:ln cap="flat" cmpd="sng" w="38100" algn="ctr">
+          <a:solidFill>
+            <a:schemeClr val="phClr"/>
+          </a:solidFill>
+          <a:prstDash val="solid"/>
+        </a:ln>
+      </a:lnStyleLst>
+      <a:effectStyleLst>
+        <a:effectStyle>
+          <a:effectLst>
+            <a:outerShdw blurRad="40000" rotWithShape="0" dir="5400000" dist="20000">
+              <a:srgbClr val="000000">
+                <a:alpha val="38000"/>
+              </a:srgbClr>
+            </a:outerShdw>
+          </a:effectLst>
+        </a:effectStyle>
+        <a:effectStyle>
+          <a:effectLst>
+            <a:outerShdw blurRad="40000" rotWithShape="0" dir="5400000" dist="23000">
+              <a:srgbClr val="000000">
+                <a:alpha val="35000"/>
+              </a:srgbClr>
+            </a:outerShdw>
+          </a:effectLst>
+        </a:effectStyle>
+        <a:effectStyle>
+          <a:effectLst>
+            <a:outerShdw blurRad="40000" rotWithShape="0" dir="5400000" dist="23000">
+              <a:srgbClr val="000000">
+                <a:alpha val="35000"/>
+              </a:srgbClr>
+            </a:outerShdw>
+          </a:effectLst>
+          <a:scene3d>
+            <a:camera prst="orthographicFront">
+              <a:rot lat="0" lon="0" rev="0"/>
+            </a:camera>
+            <a:lightRig dir="t" rig="threePt">
+              <a:rot lat="0" lon="0" rev="1200000"/>
+            </a:lightRig>
+          </a:scene3d>
+          <a:sp3d>
+            <a:bevelT h="25400" w="63500"/>
+          </a:sp3d>
+        </a:effectStyle>
+      </a:effectStyleLst>
+      <a:bgFillStyleLst>
+        <a:solidFill>
+          <a:schemeClr val="phClr"/>
+        </a:solidFill>
+        <a:gradFill rotWithShape="1">
+          <a:gsLst>
+            <a:gs pos="0">
+              <a:schemeClr val="phClr">
+                <a:tint val="40000"/>
+                <a:satMod val="350000"/>
+              </a:schemeClr>
+            </a:gs>
+            <a:gs pos="40000">
+              <a:schemeClr val="phClr">
+                <a:tint val="45000"/>
+                <a:shade val="99000"/>
+                <a:satMod val="350000"/>
+              </a:schemeClr>
+            </a:gs>
+            <a:gs pos="100000">
+              <a:schemeClr val="phClr">
+                <a:shade val="20000"/>
+                <a:satMod val="255000"/>
+              </a:schemeClr>
+            </a:gs>
+          </a:gsLst>
+          <a:path path="circle">
+            <a:fillToRect b="180000" l="50000" r="50000" t="-80000"/>
+          </a:path>
+        </a:gradFill>
+        <a:gradFill rotWithShape="1">
+          <a:gsLst>
+            <a:gs pos="0">
+              <a:schemeClr val="phClr">
+                <a:tint val="80000"/>
+                <a:satMod val="300000"/>
+              </a:schemeClr>
+            </a:gs>
+            <a:gs pos="100000">
+              <a:schemeClr val="phClr">
+                <a:shade val="30000"/>
+                <a:satMod val="200000"/>
+              </a:schemeClr>
+            </a:gs>
+          </a:gsLst>
+          <a:path path="circle">
+            <a:fillToRect b="50000" l="50000" r="50000" t="50000"/>
+          </a:path>
+        </a:gradFill>
+      </a:bgFillStyleLst>
+    </a:fmtScheme>
+  </a:themeElements>
+</a:theme>
+</file>
+
+<file path=ppt/theme/theme3.xml><?xml version="1.0" encoding="utf-8"?>
+<a:theme xmlns:a="http://schemas.openxmlformats.org/drawingml/2006/main" xmlns:r="http://schemas.openxmlformats.org/officeDocument/2006/relationships" name="Thème Office">
+  <a:themeElements>
+    <a:clrScheme name="Office">
+      <a:dk1>
+        <a:srgbClr val="000000"/>
+      </a:dk1>
+      <a:lt1>
+        <a:srgbClr val="FFFFFF"/>
+      </a:lt1>
+      <a:dk2>
+        <a:srgbClr val="1F497D"/>
+      </a:dk2>
+      <a:lt2>
+        <a:srgbClr val="EEECE1"/>
+      </a:lt2>
+      <a:accent1>
+        <a:srgbClr val="4F81BD"/>
+      </a:accent1>
+      <a:accent2>
+        <a:srgbClr val="C0504D"/>
+      </a:accent2>
+      <a:accent3>
+        <a:srgbClr val="9BBB59"/>
+      </a:accent3>
+      <a:accent4>
+        <a:srgbClr val="8064A2"/>
+      </a:accent4>
+      <a:accent5>
+        <a:srgbClr val="4BACC6"/>
+      </a:accent5>
+      <a:accent6>
+        <a:srgbClr val="F79646"/>
+      </a:accent6>
+      <a:hlink>
+        <a:srgbClr val="0000FF"/>
+      </a:hlink>
+      <a:folHlink>
+        <a:srgbClr val="800080"/>
+      </a:folHlink>
+    </a:clrScheme>
+    <a:fontScheme name="Office">
+      <a:majorFont>
+        <a:latin typeface="Arial"/>
+        <a:ea typeface=""/>
+        <a:cs typeface=""/>
+        <a:font script="Jpan" typeface="ＭＳ Ｐゴシック"/>
+        <a:font script="Hang" typeface="맑은 고딕"/>
+        <a:font script="Hans" typeface="宋体"/>
+        <a:font script="Hant" typeface="新細明體"/>
+        <a:font script="Arab" typeface="Times New Roman"/>
+        <a:font script="Hebr" typeface="Times New Roman"/>
+        <a:font script="Thai" typeface="Angsana New"/>
+        <a:font script="Ethi" typeface="Nyala"/>
+        <a:font script="Beng" typeface="Vrinda"/>
+        <a:font script="Gujr" typeface="Shruti"/>
+        <a:font script="Khmr" typeface="MoolBoran"/>
+        <a:font script="Knda" typeface="Tunga"/>
+        <a:font script="Guru" typeface="Raavi"/>
+        <a:font script="Cans" typeface="Euphemia"/>
+        <a:font script="Cher" typeface="Plantagenet Cherokee"/>
+        <a:font script="Yiii" typeface="Microsoft Yi Baiti"/>
+        <a:font script="Tibt" typeface="Microsoft Himalaya"/>
+        <a:font script="Thaa" typeface="MV Boli"/>
+        <a:font script="Deva" typeface="Mangal"/>
+        <a:font script="Telu" typeface="Gautami"/>
+        <a:font script="Taml" typeface="Latha"/>
+        <a:font script="Syrc" typeface="Estrangelo Edessa"/>
+        <a:font script="Orya" typeface="Kalinga"/>
+        <a:font script="Mlym" typeface="Kartika"/>
+        <a:font script="Laoo" typeface="DokChampa"/>
+        <a:font script="Sinh" typeface="Iskoola Pota"/>
+        <a:font script="Mong" typeface="Mongolian Baiti"/>
+        <a:font script="Viet" typeface="Times New Roman"/>
+        <a:font script="Uigh" typeface="Microsoft Uighur"/>
+      </a:majorFont>
+      <a:minorFont>
+        <a:latin typeface="Arial"/>
+        <a:ea typeface=""/>
+        <a:cs typeface=""/>
+        <a:font script="Jpan" typeface="ＭＳ Ｐゴシック"/>
+        <a:font script="Hang" typeface="맑은 고딕"/>
+        <a:font script="Hans" typeface="宋体"/>
+        <a:font script="Hant" typeface="新細明體"/>
+        <a:font script="Arab" typeface="Times New Roman"/>
+        <a:font script="Hebr" typeface="Times New Roman"/>
+        <a:font script="Thai" typeface="Angsana New"/>
+        <a:font script="Ethi" typeface="Nyala"/>
+        <a:font script="Beng" typeface="Vrinda"/>
+        <a:font script="Gujr" typeface="Shruti"/>
+        <a:font script="Khmr" typeface="MoolBoran"/>
+        <a:font script="Knda" typeface="Tunga"/>
+        <a:font script="Guru" typeface="Raavi"/>
+        <a:font script="Cans" typeface="Euphemia"/>
+        <a:font script="Cher" typeface="Plantagenet Cherokee"/>
+        <a:font script="Yiii" typeface="Microsoft Yi Baiti"/>
+        <a:font script="Tibt" typeface="Microsoft Himalaya"/>
+        <a:font script="Thaa" typeface="MV Boli"/>
+        <a:font script="Deva" typeface="Mangal"/>
+        <a:font script="Telu" typeface="Gautami"/>
+        <a:font script="Taml" typeface="Latha"/>
+        <a:font script="Syrc" typeface="Estrangelo Edessa"/>
+        <a:font script="Orya" typeface="Kalinga"/>
+        <a:font script="Mlym" typeface="Kartika"/>
+        <a:font script="Laoo" typeface="DokChampa"/>
+        <a:font script="Sinh" typeface="Iskoola Pota"/>
+        <a:font script="Mong" typeface="Mongolian Baiti"/>
+        <a:font script="Viet" typeface="Times New Roman"/>
+        <a:font script="Uigh" typeface="Microsoft Uighur"/>
+      </a:minorFont>
+    </a:fontScheme>
+    <a:fmtScheme name="Office">
+      <a:fillStyleLst>
+        <a:solidFill>
+          <a:schemeClr val="phClr"/>
+        </a:solidFill>
+        <a:gradFill rotWithShape="1">
+          <a:gsLst>
+            <a:gs pos="0">
+              <a:schemeClr val="phClr">
+                <a:tint val="50000"/>
+                <a:satMod val="300000"/>
+              </a:schemeClr>
+            </a:gs>
+            <a:gs pos="35000">
+              <a:schemeClr val="phClr">
+                <a:tint val="37000"/>
+                <a:satMod val="300000"/>
+              </a:schemeClr>
+            </a:gs>
+            <a:gs pos="100000">
+              <a:schemeClr val="phClr">
+                <a:tint val="15000"/>
+                <a:satMod val="350000"/>
+              </a:schemeClr>
+            </a:gs>
+          </a:gsLst>
+          <a:lin ang="16200000" scaled="1"/>
+        </a:gradFill>
+        <a:gradFill rotWithShape="1">
+          <a:gsLst>
+            <a:gs pos="0">
+              <a:schemeClr val="phClr">
+                <a:tint val="100000"/>
+                <a:shade val="100000"/>
+                <a:satMod val="130000"/>
+              </a:schemeClr>
+            </a:gs>
+            <a:gs pos="100000">
+              <a:schemeClr val="phClr">
+                <a:tint val="50000"/>
+                <a:shade val="100000"/>
+                <a:satMod val="350000"/>
+              </a:schemeClr>
+            </a:gs>
+          </a:gsLst>
+          <a:lin ang="16200000" scaled="0"/>
+        </a:gradFill>
+      </a:fillStyleLst>
+      <a:lnStyleLst>
+        <a:ln cap="flat" cmpd="sng" w="9525" algn="ctr">
+          <a:solidFill>
+            <a:schemeClr val="phClr">
+              <a:shade val="95000"/>
+              <a:satMod val="105000"/>
+            </a:schemeClr>
+          </a:solidFill>
+          <a:prstDash val="solid"/>
+        </a:ln>
+        <a:ln cap="flat" cmpd="sng" w="25400" algn="ctr">
+          <a:solidFill>
+            <a:schemeClr val="phClr"/>
+          </a:solidFill>
+          <a:prstDash val="solid"/>
+        </a:ln>
+        <a:ln cap="flat" cmpd="sng" w="38100" algn="ctr">
+          <a:solidFill>
+            <a:schemeClr val="phClr"/>
+          </a:solidFill>
+          <a:prstDash val="solid"/>
+        </a:ln>
+      </a:lnStyleLst>
+      <a:effectStyleLst>
+        <a:effectStyle>
+          <a:effectLst>
+            <a:outerShdw blurRad="40000" rotWithShape="0" dir="5400000" dist="20000">
+              <a:srgbClr val="000000">
+                <a:alpha val="38000"/>
+              </a:srgbClr>
+            </a:outerShdw>
+          </a:effectLst>
+        </a:effectStyle>
+        <a:effectStyle>
+          <a:effectLst>
+            <a:outerShdw blurRad="40000" rotWithShape="0" dir="5400000" dist="23000">
+              <a:srgbClr val="000000">
+                <a:alpha val="35000"/>
+              </a:srgbClr>
+            </a:outerShdw>
+          </a:effectLst>
+        </a:effectStyle>
+        <a:effectStyle>
+          <a:effectLst>
+            <a:outerShdw blurRad="40000" rotWithShape="0" dir="5400000" dist="23000">
+              <a:srgbClr val="000000">
+                <a:alpha val="35000"/>
+              </a:srgbClr>
+            </a:outerShdw>
+          </a:effectLst>
+          <a:scene3d>
+            <a:camera prst="orthographicFront">
+              <a:rot lat="0" lon="0" rev="0"/>
+            </a:camera>
+            <a:lightRig dir="t" rig="threePt">
+              <a:rot lat="0" lon="0" rev="1200000"/>
+            </a:lightRig>
+          </a:scene3d>
+          <a:sp3d>
+            <a:bevelT h="25400" w="63500"/>
+          </a:sp3d>
+        </a:effectStyle>
+      </a:effectStyleLst>
+      <a:bgFillStyleLst>
+        <a:solidFill>
+          <a:schemeClr val="phClr"/>
+        </a:solidFill>
+        <a:gradFill rotWithShape="1">
+          <a:gsLst>
+            <a:gs pos="0">
+              <a:schemeClr val="phClr">
+                <a:tint val="40000"/>
+                <a:satMod val="350000"/>
+              </a:schemeClr>
+            </a:gs>
+            <a:gs pos="40000">
+              <a:schemeClr val="phClr">
+                <a:tint val="45000"/>
+                <a:shade val="99000"/>
+                <a:satMod val="350000"/>
+              </a:schemeClr>
+            </a:gs>
+            <a:gs pos="100000">
+              <a:schemeClr val="phClr">
+                <a:shade val="20000"/>
+                <a:satMod val="255000"/>
+              </a:schemeClr>
+            </a:gs>
+          </a:gsLst>
+          <a:path path="circle">
+            <a:fillToRect b="180000" l="50000" r="50000" t="-80000"/>
+          </a:path>
+        </a:gradFill>
+        <a:gradFill rotWithShape="1">
+          <a:gsLst>
+            <a:gs pos="0">
+              <a:schemeClr val="phClr">
+                <a:tint val="80000"/>
+                <a:satMod val="300000"/>
+              </a:schemeClr>
+            </a:gs>
+            <a:gs pos="100000">
+              <a:schemeClr val="phClr">
+                <a:shade val="30000"/>
+                <a:satMod val="200000"/>
+              </a:schemeClr>
+            </a:gs>
+          </a:gsLst>
+          <a:path path="circle">
+            <a:fillToRect b="50000" l="50000" r="50000" t="50000"/>
+          </a:path>
+        </a:gradFill>
+      </a:bgFillStyleLst>
+    </a:fmtScheme>
+  </a:themeElements>
+</a:theme>
 </file>
--- a/rapport2/sequence/diagrammesDeSeq.pptx
+++ b/rapport2/sequence/diagrammesDeSeq.pptx
@@ -383,7 +383,7 @@
   <p:cSld>
     <p:spTree>
       <p:nvGrpSpPr>
-        <p:cNvPr id="118" name="Shape 118"/>
+        <p:cNvPr id="121" name="Shape 121"/>
         <p:cNvGrpSpPr/>
         <p:nvPr/>
       </p:nvGrpSpPr>
@@ -397,7 +397,7 @@
       </p:grpSpPr>
       <p:sp>
         <p:nvSpPr>
-          <p:cNvPr id="119" name="Shape 119"/>
+          <p:cNvPr id="122" name="Shape 122"/>
           <p:cNvSpPr txBox="1"/>
           <p:nvPr>
             <p:ph idx="1" type="body"/>
@@ -433,7 +433,7 @@
       </p:sp>
       <p:sp>
         <p:nvSpPr>
-          <p:cNvPr id="120" name="Shape 120"/>
+          <p:cNvPr id="123" name="Shape 123"/>
           <p:cNvSpPr/>
           <p:nvPr>
             <p:ph idx="2" type="sldImg"/>
@@ -488,7 +488,7 @@
   <p:cSld>
     <p:spTree>
       <p:nvGrpSpPr>
-        <p:cNvPr id="199" name="Shape 199"/>
+        <p:cNvPr id="203" name="Shape 203"/>
         <p:cNvGrpSpPr/>
         <p:nvPr/>
       </p:nvGrpSpPr>
@@ -502,7 +502,7 @@
       </p:grpSpPr>
       <p:sp>
         <p:nvSpPr>
-          <p:cNvPr id="200" name="Shape 200"/>
+          <p:cNvPr id="204" name="Shape 204"/>
           <p:cNvSpPr txBox="1"/>
           <p:nvPr>
             <p:ph idx="1" type="body"/>
@@ -538,7 +538,7 @@
       </p:sp>
       <p:sp>
         <p:nvSpPr>
-          <p:cNvPr id="201" name="Shape 201"/>
+          <p:cNvPr id="205" name="Shape 205"/>
           <p:cNvSpPr/>
           <p:nvPr>
             <p:ph idx="2" type="sldImg"/>
@@ -593,7 +593,7 @@
   <p:cSld>
     <p:spTree>
       <p:nvGrpSpPr>
-        <p:cNvPr id="223" name="Shape 223"/>
+        <p:cNvPr id="230" name="Shape 230"/>
         <p:cNvGrpSpPr/>
         <p:nvPr/>
       </p:nvGrpSpPr>
@@ -607,7 +607,7 @@
       </p:grpSpPr>
       <p:sp>
         <p:nvSpPr>
-          <p:cNvPr id="224" name="Shape 224"/>
+          <p:cNvPr id="231" name="Shape 231"/>
           <p:cNvSpPr txBox="1"/>
           <p:nvPr>
             <p:ph idx="1" type="body"/>
@@ -643,7 +643,7 @@
       </p:sp>
       <p:sp>
         <p:nvSpPr>
-          <p:cNvPr id="225" name="Shape 225"/>
+          <p:cNvPr id="232" name="Shape 232"/>
           <p:cNvSpPr/>
           <p:nvPr>
             <p:ph idx="2" type="sldImg"/>
@@ -698,7 +698,7 @@
   <p:cSld>
     <p:spTree>
       <p:nvGrpSpPr>
-        <p:cNvPr id="251" name="Shape 251"/>
+        <p:cNvPr id="258" name="Shape 258"/>
         <p:cNvGrpSpPr/>
         <p:nvPr/>
       </p:nvGrpSpPr>
@@ -712,7 +712,7 @@
       </p:grpSpPr>
       <p:sp>
         <p:nvSpPr>
-          <p:cNvPr id="252" name="Shape 252"/>
+          <p:cNvPr id="259" name="Shape 259"/>
           <p:cNvSpPr/>
           <p:nvPr>
             <p:ph idx="2" type="sldImg"/>
@@ -756,7 +756,7 @@
       </p:sp>
       <p:sp>
         <p:nvSpPr>
-          <p:cNvPr id="253" name="Shape 253"/>
+          <p:cNvPr id="260" name="Shape 260"/>
           <p:cNvSpPr txBox="1"/>
           <p:nvPr>
             <p:ph idx="1" type="body"/>
@@ -7663,7 +7663,31 @@
                 <a:cs typeface="Calibri"/>
                 <a:sym typeface="Calibri"/>
               </a:rPr>
-              <a:t>[Confirmation == true]</a:t>
+              <a:t>[</a:t>
+            </a:r>
+            <a:r>
+              <a:rPr lang="fr-BE" sz="800">
+                <a:solidFill>
+                  <a:srgbClr val="7F7F7F"/>
+                </a:solidFill>
+                <a:latin typeface="Calibri"/>
+                <a:ea typeface="Calibri"/>
+                <a:cs typeface="Calibri"/>
+                <a:sym typeface="Calibri"/>
+              </a:rPr>
+              <a:t>c</a:t>
+            </a:r>
+            <a:r>
+              <a:rPr b="0" baseline="0" i="0" lang="fr-BE" sz="800" u="none" cap="none" strike="noStrike">
+                <a:solidFill>
+                  <a:srgbClr val="7F7F7F"/>
+                </a:solidFill>
+                <a:latin typeface="Calibri"/>
+                <a:ea typeface="Calibri"/>
+                <a:cs typeface="Calibri"/>
+                <a:sym typeface="Calibri"/>
+              </a:rPr>
+              <a:t>onfirmation == true]</a:t>
             </a:r>
           </a:p>
         </p:txBody>
@@ -8429,6 +8453,88 @@
           </a:p>
         </p:txBody>
       </p:sp>
+      <p:cxnSp>
+        <p:nvCxnSpPr>
+          <p:cNvPr id="118" name="Shape 118"/>
+          <p:cNvCxnSpPr/>
+          <p:nvPr/>
+        </p:nvCxnSpPr>
+        <p:spPr>
+          <a:xfrm>
+            <a:off x="3905250" y="5429250"/>
+            <a:ext cx="19199" cy="3895799"/>
+          </a:xfrm>
+          <a:prstGeom prst="straightConnector1">
+            <a:avLst/>
+          </a:prstGeom>
+          <a:noFill/>
+          <a:ln cap="flat" w="9525">
+            <a:solidFill>
+              <a:srgbClr val="000000"/>
+            </a:solidFill>
+            <a:prstDash val="dash"/>
+            <a:round/>
+            <a:headEnd len="lg" w="lg" type="none"/>
+            <a:tailEnd len="lg" w="lg" type="none"/>
+          </a:ln>
+        </p:spPr>
+      </p:cxnSp>
+      <p:cxnSp>
+        <p:nvCxnSpPr>
+          <p:cNvPr id="119" name="Shape 119"/>
+          <p:cNvCxnSpPr>
+            <a:stCxn id="85" idx="2"/>
+          </p:cNvCxnSpPr>
+          <p:nvPr/>
+        </p:nvCxnSpPr>
+        <p:spPr>
+          <a:xfrm>
+            <a:off x="2466417" y="8497018"/>
+            <a:ext cx="10200" cy="885000"/>
+          </a:xfrm>
+          <a:prstGeom prst="straightConnector1">
+            <a:avLst/>
+          </a:prstGeom>
+          <a:noFill/>
+          <a:ln cap="flat" w="9525">
+            <a:solidFill>
+              <a:srgbClr val="000000"/>
+            </a:solidFill>
+            <a:prstDash val="dash"/>
+            <a:round/>
+            <a:headEnd len="lg" w="lg" type="none"/>
+            <a:tailEnd len="lg" w="lg" type="none"/>
+          </a:ln>
+        </p:spPr>
+      </p:cxnSp>
+      <p:cxnSp>
+        <p:nvCxnSpPr>
+          <p:cNvPr id="120" name="Shape 120"/>
+          <p:cNvCxnSpPr>
+            <a:stCxn id="113" idx="2"/>
+          </p:cNvCxnSpPr>
+          <p:nvPr/>
+        </p:nvCxnSpPr>
+        <p:spPr>
+          <a:xfrm>
+            <a:off x="5400686" y="7920955"/>
+            <a:ext cx="0" cy="1451700"/>
+          </a:xfrm>
+          <a:prstGeom prst="straightConnector1">
+            <a:avLst/>
+          </a:prstGeom>
+          <a:noFill/>
+          <a:ln cap="flat" w="9525">
+            <a:solidFill>
+              <a:srgbClr val="000000"/>
+            </a:solidFill>
+            <a:prstDash val="dash"/>
+            <a:round/>
+            <a:headEnd len="lg" w="lg" type="none"/>
+            <a:tailEnd len="lg" w="lg" type="none"/>
+          </a:ln>
+        </p:spPr>
+      </p:cxnSp>
     </p:spTree>
   </p:cSld>
   <p:clrMapOvr>
@@ -8445,7 +8551,7 @@
   <p:cSld>
     <p:spTree>
       <p:nvGrpSpPr>
-        <p:cNvPr id="121" name="Shape 121"/>
+        <p:cNvPr id="124" name="Shape 124"/>
         <p:cNvGrpSpPr/>
         <p:nvPr/>
       </p:nvGrpSpPr>
@@ -8459,7 +8565,7 @@
       </p:grpSpPr>
       <p:sp>
         <p:nvSpPr>
-          <p:cNvPr id="122" name="Shape 122"/>
+          <p:cNvPr id="125" name="Shape 125"/>
           <p:cNvSpPr txBox="1"/>
           <p:nvPr/>
         </p:nvSpPr>
@@ -8506,7 +8612,7 @@
       </p:sp>
       <p:sp>
         <p:nvSpPr>
-          <p:cNvPr id="123" name="Shape 123"/>
+          <p:cNvPr id="126" name="Shape 126"/>
           <p:cNvSpPr/>
           <p:nvPr/>
         </p:nvSpPr>
@@ -8559,7 +8665,7 @@
       </p:sp>
       <p:sp>
         <p:nvSpPr>
-          <p:cNvPr id="124" name="Shape 124"/>
+          <p:cNvPr id="127" name="Shape 127"/>
           <p:cNvSpPr/>
           <p:nvPr/>
         </p:nvSpPr>
@@ -8612,7 +8718,7 @@
       </p:sp>
       <p:sp>
         <p:nvSpPr>
-          <p:cNvPr id="125" name="Shape 125"/>
+          <p:cNvPr id="128" name="Shape 128"/>
           <p:cNvSpPr/>
           <p:nvPr/>
         </p:nvSpPr>
@@ -8665,7 +8771,7 @@
       </p:sp>
       <p:sp>
         <p:nvSpPr>
-          <p:cNvPr id="126" name="Shape 126"/>
+          <p:cNvPr id="129" name="Shape 129"/>
           <p:cNvSpPr/>
           <p:nvPr/>
         </p:nvSpPr>
@@ -8718,7 +8824,7 @@
       </p:sp>
       <p:sp>
         <p:nvSpPr>
-          <p:cNvPr id="127" name="Shape 127"/>
+          <p:cNvPr id="130" name="Shape 130"/>
           <p:cNvSpPr/>
           <p:nvPr/>
         </p:nvSpPr>
@@ -8771,7 +8877,7 @@
       </p:sp>
       <p:sp>
         <p:nvSpPr>
-          <p:cNvPr id="128" name="Shape 128"/>
+          <p:cNvPr id="131" name="Shape 131"/>
           <p:cNvSpPr/>
           <p:nvPr/>
         </p:nvSpPr>
@@ -8824,9 +8930,9 @@
       </p:sp>
       <p:cxnSp>
         <p:nvCxnSpPr>
-          <p:cNvPr id="129" name="Shape 129"/>
+          <p:cNvPr id="132" name="Shape 132"/>
           <p:cNvCxnSpPr>
-            <a:stCxn id="123" idx="2"/>
+            <a:stCxn id="126" idx="2"/>
           </p:cNvCxnSpPr>
           <p:nvPr/>
         </p:nvCxnSpPr>
@@ -8852,7 +8958,7 @@
       </p:cxnSp>
       <p:cxnSp>
         <p:nvCxnSpPr>
-          <p:cNvPr id="130" name="Shape 130"/>
+          <p:cNvPr id="133" name="Shape 133"/>
           <p:cNvCxnSpPr/>
           <p:nvPr/>
         </p:nvCxnSpPr>
@@ -8878,7 +8984,7 @@
       </p:cxnSp>
       <p:sp>
         <p:nvSpPr>
-          <p:cNvPr id="131" name="Shape 131"/>
+          <p:cNvPr id="134" name="Shape 134"/>
           <p:cNvSpPr txBox="1"/>
           <p:nvPr/>
         </p:nvSpPr>
@@ -8925,7 +9031,7 @@
       </p:sp>
       <p:sp>
         <p:nvSpPr>
-          <p:cNvPr id="132" name="Shape 132"/>
+          <p:cNvPr id="135" name="Shape 135"/>
           <p:cNvSpPr/>
           <p:nvPr/>
         </p:nvSpPr>
@@ -8979,9 +9085,9 @@
       </p:sp>
       <p:cxnSp>
         <p:nvCxnSpPr>
-          <p:cNvPr id="133" name="Shape 133"/>
+          <p:cNvPr id="136" name="Shape 136"/>
           <p:cNvCxnSpPr>
-            <a:stCxn id="124" idx="2"/>
+            <a:stCxn id="127" idx="2"/>
           </p:cNvCxnSpPr>
           <p:nvPr/>
         </p:nvCxnSpPr>
@@ -9007,7 +9113,7 @@
       </p:cxnSp>
       <p:sp>
         <p:nvSpPr>
-          <p:cNvPr id="134" name="Shape 134"/>
+          <p:cNvPr id="137" name="Shape 137"/>
           <p:cNvSpPr/>
           <p:nvPr/>
         </p:nvSpPr>
@@ -9061,7 +9167,7 @@
       </p:sp>
       <p:cxnSp>
         <p:nvCxnSpPr>
-          <p:cNvPr id="135" name="Shape 135"/>
+          <p:cNvPr id="138" name="Shape 138"/>
           <p:cNvCxnSpPr/>
           <p:nvPr/>
         </p:nvCxnSpPr>
@@ -9087,7 +9193,7 @@
       </p:cxnSp>
       <p:sp>
         <p:nvSpPr>
-          <p:cNvPr id="136" name="Shape 136"/>
+          <p:cNvPr id="139" name="Shape 139"/>
           <p:cNvSpPr txBox="1"/>
           <p:nvPr/>
         </p:nvSpPr>
@@ -9134,7 +9240,7 @@
       </p:sp>
       <p:cxnSp>
         <p:nvCxnSpPr>
-          <p:cNvPr id="137" name="Shape 137"/>
+          <p:cNvPr id="140" name="Shape 140"/>
           <p:cNvCxnSpPr/>
           <p:nvPr/>
         </p:nvCxnSpPr>
@@ -9160,7 +9266,7 @@
       </p:cxnSp>
       <p:sp>
         <p:nvSpPr>
-          <p:cNvPr id="138" name="Shape 138"/>
+          <p:cNvPr id="141" name="Shape 141"/>
           <p:cNvSpPr txBox="1"/>
           <p:nvPr/>
         </p:nvSpPr>
@@ -9207,7 +9313,7 @@
       </p:sp>
       <p:sp>
         <p:nvSpPr>
-          <p:cNvPr id="139" name="Shape 139"/>
+          <p:cNvPr id="142" name="Shape 142"/>
           <p:cNvSpPr/>
           <p:nvPr/>
         </p:nvSpPr>
@@ -9259,7 +9365,7 @@
       </p:sp>
       <p:sp>
         <p:nvSpPr>
-          <p:cNvPr id="140" name="Shape 140"/>
+          <p:cNvPr id="143" name="Shape 143"/>
           <p:cNvSpPr/>
           <p:nvPr/>
         </p:nvSpPr>
@@ -9312,7 +9418,7 @@
       </p:sp>
       <p:sp>
         <p:nvSpPr>
-          <p:cNvPr id="141" name="Shape 141"/>
+          <p:cNvPr id="144" name="Shape 144"/>
           <p:cNvSpPr/>
           <p:nvPr/>
         </p:nvSpPr>
@@ -9364,7 +9470,7 @@
       </p:sp>
       <p:sp>
         <p:nvSpPr>
-          <p:cNvPr id="142" name="Shape 142"/>
+          <p:cNvPr id="145" name="Shape 145"/>
           <p:cNvSpPr/>
           <p:nvPr/>
         </p:nvSpPr>
@@ -9417,7 +9523,7 @@
       </p:sp>
       <p:cxnSp>
         <p:nvCxnSpPr>
-          <p:cNvPr id="143" name="Shape 143"/>
+          <p:cNvPr id="146" name="Shape 146"/>
           <p:cNvCxnSpPr/>
           <p:nvPr/>
         </p:nvCxnSpPr>
@@ -9443,7 +9549,7 @@
       </p:cxnSp>
       <p:sp>
         <p:nvSpPr>
-          <p:cNvPr id="144" name="Shape 144"/>
+          <p:cNvPr id="147" name="Shape 147"/>
           <p:cNvSpPr txBox="1"/>
           <p:nvPr/>
         </p:nvSpPr>
@@ -9490,7 +9596,7 @@
       </p:sp>
       <p:sp>
         <p:nvSpPr>
-          <p:cNvPr id="145" name="Shape 145"/>
+          <p:cNvPr id="148" name="Shape 148"/>
           <p:cNvSpPr txBox="1"/>
           <p:nvPr/>
         </p:nvSpPr>
@@ -9549,9 +9655,9 @@
       </p:sp>
       <p:cxnSp>
         <p:nvCxnSpPr>
-          <p:cNvPr id="146" name="Shape 146"/>
+          <p:cNvPr id="149" name="Shape 149"/>
           <p:cNvCxnSpPr>
-            <a:stCxn id="125" idx="2"/>
+            <a:stCxn id="128" idx="2"/>
           </p:cNvCxnSpPr>
           <p:nvPr/>
         </p:nvCxnSpPr>
@@ -9577,10 +9683,10 @@
       </p:cxnSp>
       <p:cxnSp>
         <p:nvCxnSpPr>
-          <p:cNvPr id="147" name="Shape 147"/>
+          <p:cNvPr id="150" name="Shape 150"/>
           <p:cNvCxnSpPr>
-            <a:stCxn id="126" idx="2"/>
-            <a:endCxn id="148" idx="0"/>
+            <a:stCxn id="129" idx="2"/>
+            <a:endCxn id="151" idx="0"/>
           </p:cNvCxnSpPr>
           <p:nvPr/>
         </p:nvCxnSpPr>
@@ -9606,9 +9712,9 @@
       </p:cxnSp>
       <p:cxnSp>
         <p:nvCxnSpPr>
-          <p:cNvPr id="149" name="Shape 149"/>
+          <p:cNvPr id="152" name="Shape 152"/>
           <p:cNvCxnSpPr>
-            <a:stCxn id="127" idx="2"/>
+            <a:stCxn id="130" idx="2"/>
           </p:cNvCxnSpPr>
           <p:nvPr/>
         </p:nvCxnSpPr>
@@ -9634,9 +9740,9 @@
       </p:cxnSp>
       <p:cxnSp>
         <p:nvCxnSpPr>
-          <p:cNvPr id="150" name="Shape 150"/>
+          <p:cNvPr id="153" name="Shape 153"/>
           <p:cNvCxnSpPr>
-            <a:stCxn id="128" idx="2"/>
+            <a:stCxn id="131" idx="2"/>
           </p:cNvCxnSpPr>
           <p:nvPr/>
         </p:nvCxnSpPr>
@@ -9662,7 +9768,7 @@
       </p:cxnSp>
       <p:sp>
         <p:nvSpPr>
-          <p:cNvPr id="151" name="Shape 151"/>
+          <p:cNvPr id="154" name="Shape 154"/>
           <p:cNvSpPr/>
           <p:nvPr/>
         </p:nvSpPr>
@@ -9716,7 +9822,7 @@
       </p:sp>
       <p:cxnSp>
         <p:nvCxnSpPr>
-          <p:cNvPr id="152" name="Shape 152"/>
+          <p:cNvPr id="155" name="Shape 155"/>
           <p:cNvCxnSpPr/>
           <p:nvPr/>
         </p:nvCxnSpPr>
@@ -9742,7 +9848,7 @@
       </p:cxnSp>
       <p:sp>
         <p:nvSpPr>
-          <p:cNvPr id="153" name="Shape 153"/>
+          <p:cNvPr id="156" name="Shape 156"/>
           <p:cNvSpPr txBox="1"/>
           <p:nvPr/>
         </p:nvSpPr>
@@ -9789,7 +9895,7 @@
       </p:sp>
       <p:cxnSp>
         <p:nvCxnSpPr>
-          <p:cNvPr id="154" name="Shape 154"/>
+          <p:cNvPr id="157" name="Shape 157"/>
           <p:cNvCxnSpPr/>
           <p:nvPr/>
         </p:nvCxnSpPr>
@@ -9815,7 +9921,7 @@
       </p:cxnSp>
       <p:sp>
         <p:nvSpPr>
-          <p:cNvPr id="155" name="Shape 155"/>
+          <p:cNvPr id="158" name="Shape 158"/>
           <p:cNvSpPr txBox="1"/>
           <p:nvPr/>
         </p:nvSpPr>
@@ -9862,7 +9968,7 @@
       </p:sp>
       <p:sp>
         <p:nvSpPr>
-          <p:cNvPr id="156" name="Shape 156"/>
+          <p:cNvPr id="159" name="Shape 159"/>
           <p:cNvSpPr/>
           <p:nvPr/>
         </p:nvSpPr>
@@ -9916,7 +10022,7 @@
       </p:sp>
       <p:cxnSp>
         <p:nvCxnSpPr>
-          <p:cNvPr id="157" name="Shape 157"/>
+          <p:cNvPr id="160" name="Shape 160"/>
           <p:cNvCxnSpPr/>
           <p:nvPr/>
         </p:nvCxnSpPr>
@@ -9942,7 +10048,7 @@
       </p:cxnSp>
       <p:cxnSp>
         <p:nvCxnSpPr>
-          <p:cNvPr id="158" name="Shape 158"/>
+          <p:cNvPr id="161" name="Shape 161"/>
           <p:cNvCxnSpPr/>
           <p:nvPr/>
         </p:nvCxnSpPr>
@@ -9968,7 +10074,7 @@
       </p:cxnSp>
       <p:sp>
         <p:nvSpPr>
-          <p:cNvPr id="159" name="Shape 159"/>
+          <p:cNvPr id="162" name="Shape 162"/>
           <p:cNvSpPr txBox="1"/>
           <p:nvPr/>
         </p:nvSpPr>
@@ -10015,7 +10121,7 @@
       </p:sp>
       <p:sp>
         <p:nvSpPr>
-          <p:cNvPr id="160" name="Shape 160"/>
+          <p:cNvPr id="163" name="Shape 163"/>
           <p:cNvSpPr txBox="1"/>
           <p:nvPr/>
         </p:nvSpPr>
@@ -10062,7 +10168,7 @@
       </p:sp>
       <p:sp>
         <p:nvSpPr>
-          <p:cNvPr id="161" name="Shape 161"/>
+          <p:cNvPr id="164" name="Shape 164"/>
           <p:cNvSpPr/>
           <p:nvPr/>
         </p:nvSpPr>
@@ -10116,7 +10222,7 @@
       </p:sp>
       <p:cxnSp>
         <p:nvCxnSpPr>
-          <p:cNvPr id="162" name="Shape 162"/>
+          <p:cNvPr id="165" name="Shape 165"/>
           <p:cNvCxnSpPr/>
           <p:nvPr/>
         </p:nvCxnSpPr>
@@ -10142,7 +10248,7 @@
       </p:cxnSp>
       <p:sp>
         <p:nvSpPr>
-          <p:cNvPr id="163" name="Shape 163"/>
+          <p:cNvPr id="166" name="Shape 166"/>
           <p:cNvSpPr txBox="1"/>
           <p:nvPr/>
         </p:nvSpPr>
@@ -10189,7 +10295,7 @@
       </p:sp>
       <p:sp>
         <p:nvSpPr>
-          <p:cNvPr id="164" name="Shape 164"/>
+          <p:cNvPr id="167" name="Shape 167"/>
           <p:cNvSpPr/>
           <p:nvPr/>
         </p:nvSpPr>
@@ -10244,7 +10350,7 @@
       </p:sp>
       <p:cxnSp>
         <p:nvCxnSpPr>
-          <p:cNvPr id="165" name="Shape 165"/>
+          <p:cNvPr id="168" name="Shape 168"/>
           <p:cNvCxnSpPr/>
           <p:nvPr/>
         </p:nvCxnSpPr>
@@ -10270,7 +10376,7 @@
       </p:cxnSp>
       <p:sp>
         <p:nvSpPr>
-          <p:cNvPr id="166" name="Shape 166"/>
+          <p:cNvPr id="169" name="Shape 169"/>
           <p:cNvSpPr txBox="1"/>
           <p:nvPr/>
         </p:nvSpPr>
@@ -10317,9 +10423,9 @@
       </p:sp>
       <p:cxnSp>
         <p:nvCxnSpPr>
-          <p:cNvPr id="167" name="Shape 167"/>
+          <p:cNvPr id="170" name="Shape 170"/>
           <p:cNvCxnSpPr>
-            <a:stCxn id="164" idx="1"/>
+            <a:stCxn id="167" idx="1"/>
           </p:cNvCxnSpPr>
           <p:nvPr/>
         </p:nvCxnSpPr>
@@ -10345,7 +10451,7 @@
       </p:cxnSp>
       <p:sp>
         <p:nvSpPr>
-          <p:cNvPr id="168" name="Shape 168"/>
+          <p:cNvPr id="171" name="Shape 171"/>
           <p:cNvSpPr txBox="1"/>
           <p:nvPr/>
         </p:nvSpPr>
@@ -10392,7 +10498,7 @@
       </p:sp>
       <p:sp>
         <p:nvSpPr>
-          <p:cNvPr id="169" name="Shape 169"/>
+          <p:cNvPr id="172" name="Shape 172"/>
           <p:cNvSpPr/>
           <p:nvPr/>
         </p:nvSpPr>
@@ -10447,7 +10553,7 @@
       </p:sp>
       <p:cxnSp>
         <p:nvCxnSpPr>
-          <p:cNvPr id="170" name="Shape 170"/>
+          <p:cNvPr id="173" name="Shape 173"/>
           <p:cNvCxnSpPr/>
           <p:nvPr/>
         </p:nvCxnSpPr>
@@ -10473,7 +10579,7 @@
       </p:cxnSp>
       <p:sp>
         <p:nvSpPr>
-          <p:cNvPr id="171" name="Shape 171"/>
+          <p:cNvPr id="174" name="Shape 174"/>
           <p:cNvSpPr txBox="1"/>
           <p:nvPr/>
         </p:nvSpPr>
@@ -10520,7 +10626,7 @@
       </p:sp>
       <p:cxnSp>
         <p:nvCxnSpPr>
-          <p:cNvPr id="172" name="Shape 172"/>
+          <p:cNvPr id="175" name="Shape 175"/>
           <p:cNvCxnSpPr/>
           <p:nvPr/>
         </p:nvCxnSpPr>
@@ -10549,7 +10655,7 @@
       </p:cxnSp>
       <p:sp>
         <p:nvSpPr>
-          <p:cNvPr id="173" name="Shape 173"/>
+          <p:cNvPr id="176" name="Shape 176"/>
           <p:cNvSpPr txBox="1"/>
           <p:nvPr/>
         </p:nvSpPr>
@@ -10596,7 +10702,7 @@
       </p:sp>
       <p:sp>
         <p:nvSpPr>
-          <p:cNvPr id="174" name="Shape 174"/>
+          <p:cNvPr id="177" name="Shape 177"/>
           <p:cNvSpPr/>
           <p:nvPr/>
         </p:nvSpPr>
@@ -10651,7 +10757,7 @@
       </p:sp>
       <p:cxnSp>
         <p:nvCxnSpPr>
-          <p:cNvPr id="175" name="Shape 175"/>
+          <p:cNvPr id="178" name="Shape 178"/>
           <p:cNvCxnSpPr/>
           <p:nvPr/>
         </p:nvCxnSpPr>
@@ -10677,7 +10783,7 @@
       </p:cxnSp>
       <p:sp>
         <p:nvSpPr>
-          <p:cNvPr id="176" name="Shape 176"/>
+          <p:cNvPr id="179" name="Shape 179"/>
           <p:cNvSpPr/>
           <p:nvPr/>
         </p:nvSpPr>
@@ -10731,7 +10837,7 @@
       </p:sp>
       <p:sp>
         <p:nvSpPr>
-          <p:cNvPr id="177" name="Shape 177"/>
+          <p:cNvPr id="180" name="Shape 180"/>
           <p:cNvSpPr txBox="1"/>
           <p:nvPr/>
         </p:nvSpPr>
@@ -10778,7 +10884,7 @@
       </p:sp>
       <p:sp>
         <p:nvSpPr>
-          <p:cNvPr id="178" name="Shape 178"/>
+          <p:cNvPr id="181" name="Shape 181"/>
           <p:cNvSpPr txBox="1"/>
           <p:nvPr/>
         </p:nvSpPr>
@@ -10825,7 +10931,7 @@
       </p:sp>
       <p:sp>
         <p:nvSpPr>
-          <p:cNvPr id="179" name="Shape 179"/>
+          <p:cNvPr id="182" name="Shape 182"/>
           <p:cNvSpPr/>
           <p:nvPr/>
         </p:nvSpPr>
@@ -10873,7 +10979,7 @@
       </p:sp>
       <p:sp>
         <p:nvSpPr>
-          <p:cNvPr id="148" name="Shape 148"/>
+          <p:cNvPr id="151" name="Shape 151"/>
           <p:cNvSpPr/>
           <p:nvPr/>
         </p:nvSpPr>
@@ -10921,7 +11027,7 @@
       </p:sp>
       <p:sp>
         <p:nvSpPr>
-          <p:cNvPr id="180" name="Shape 180"/>
+          <p:cNvPr id="183" name="Shape 183"/>
           <p:cNvSpPr/>
           <p:nvPr/>
         </p:nvSpPr>
@@ -10969,9 +11075,9 @@
       </p:sp>
       <p:cxnSp>
         <p:nvCxnSpPr>
-          <p:cNvPr id="181" name="Shape 181"/>
+          <p:cNvPr id="184" name="Shape 184"/>
           <p:cNvCxnSpPr>
-            <a:endCxn id="148" idx="1"/>
+            <a:endCxn id="151" idx="1"/>
           </p:cNvCxnSpPr>
           <p:nvPr/>
         </p:nvCxnSpPr>
@@ -10997,9 +11103,9 @@
       </p:cxnSp>
       <p:cxnSp>
         <p:nvCxnSpPr>
-          <p:cNvPr id="182" name="Shape 182"/>
+          <p:cNvPr id="185" name="Shape 185"/>
           <p:cNvCxnSpPr>
-            <a:stCxn id="180" idx="1"/>
+            <a:stCxn id="183" idx="1"/>
           </p:cNvCxnSpPr>
           <p:nvPr/>
         </p:nvCxnSpPr>
@@ -11025,7 +11131,7 @@
       </p:cxnSp>
       <p:sp>
         <p:nvSpPr>
-          <p:cNvPr id="183" name="Shape 183"/>
+          <p:cNvPr id="186" name="Shape 186"/>
           <p:cNvSpPr/>
           <p:nvPr/>
         </p:nvSpPr>
@@ -11079,7 +11185,7 @@
       </p:sp>
       <p:sp>
         <p:nvSpPr>
-          <p:cNvPr id="184" name="Shape 184"/>
+          <p:cNvPr id="187" name="Shape 187"/>
           <p:cNvSpPr txBox="1"/>
           <p:nvPr/>
         </p:nvSpPr>
@@ -11117,7 +11223,7 @@
       </p:sp>
       <p:sp>
         <p:nvSpPr>
-          <p:cNvPr id="185" name="Shape 185"/>
+          <p:cNvPr id="188" name="Shape 188"/>
           <p:cNvSpPr txBox="1"/>
           <p:nvPr/>
         </p:nvSpPr>
@@ -11155,7 +11261,7 @@
       </p:sp>
       <p:sp>
         <p:nvSpPr>
-          <p:cNvPr id="186" name="Shape 186"/>
+          <p:cNvPr id="189" name="Shape 189"/>
           <p:cNvSpPr txBox="1"/>
           <p:nvPr/>
         </p:nvSpPr>
@@ -11197,7 +11303,7 @@
       </p:sp>
       <p:sp>
         <p:nvSpPr>
-          <p:cNvPr id="187" name="Shape 187"/>
+          <p:cNvPr id="190" name="Shape 190"/>
           <p:cNvSpPr/>
           <p:nvPr/>
         </p:nvSpPr>
@@ -11250,9 +11356,9 @@
       </p:sp>
       <p:cxnSp>
         <p:nvCxnSpPr>
-          <p:cNvPr id="188" name="Shape 188"/>
+          <p:cNvPr id="191" name="Shape 191"/>
           <p:cNvCxnSpPr>
-            <a:endCxn id="156" idx="0"/>
+            <a:endCxn id="159" idx="0"/>
           </p:cNvCxnSpPr>
           <p:nvPr/>
         </p:nvCxnSpPr>
@@ -11278,7 +11384,7 @@
       </p:cxnSp>
       <p:sp>
         <p:nvSpPr>
-          <p:cNvPr id="189" name="Shape 189"/>
+          <p:cNvPr id="192" name="Shape 192"/>
           <p:cNvSpPr/>
           <p:nvPr/>
         </p:nvSpPr>
@@ -11322,9 +11428,9 @@
       </p:sp>
       <p:cxnSp>
         <p:nvCxnSpPr>
-          <p:cNvPr id="190" name="Shape 190"/>
+          <p:cNvPr id="193" name="Shape 193"/>
           <p:cNvCxnSpPr>
-            <a:endCxn id="164" idx="0"/>
+            <a:endCxn id="167" idx="0"/>
           </p:cNvCxnSpPr>
           <p:nvPr/>
         </p:nvCxnSpPr>
@@ -11350,9 +11456,9 @@
       </p:cxnSp>
       <p:cxnSp>
         <p:nvCxnSpPr>
-          <p:cNvPr id="191" name="Shape 191"/>
+          <p:cNvPr id="194" name="Shape 194"/>
           <p:cNvCxnSpPr>
-            <a:endCxn id="169" idx="0"/>
+            <a:endCxn id="172" idx="0"/>
           </p:cNvCxnSpPr>
           <p:nvPr/>
         </p:nvCxnSpPr>
@@ -11378,9 +11484,9 @@
       </p:cxnSp>
       <p:cxnSp>
         <p:nvCxnSpPr>
-          <p:cNvPr id="192" name="Shape 192"/>
+          <p:cNvPr id="195" name="Shape 195"/>
           <p:cNvCxnSpPr>
-            <a:endCxn id="161" idx="0"/>
+            <a:endCxn id="164" idx="0"/>
           </p:cNvCxnSpPr>
           <p:nvPr/>
         </p:nvCxnSpPr>
@@ -11406,7 +11512,7 @@
       </p:cxnSp>
       <p:cxnSp>
         <p:nvCxnSpPr>
-          <p:cNvPr id="193" name="Shape 193"/>
+          <p:cNvPr id="196" name="Shape 196"/>
           <p:cNvCxnSpPr/>
           <p:nvPr/>
         </p:nvCxnSpPr>
@@ -11432,7 +11538,7 @@
       </p:cxnSp>
       <p:cxnSp>
         <p:nvCxnSpPr>
-          <p:cNvPr id="194" name="Shape 194"/>
+          <p:cNvPr id="197" name="Shape 197"/>
           <p:cNvCxnSpPr/>
           <p:nvPr/>
         </p:nvCxnSpPr>
@@ -11458,7 +11564,7 @@
       </p:cxnSp>
       <p:cxnSp>
         <p:nvCxnSpPr>
-          <p:cNvPr id="195" name="Shape 195"/>
+          <p:cNvPr id="198" name="Shape 198"/>
           <p:cNvCxnSpPr/>
           <p:nvPr/>
         </p:nvCxnSpPr>
@@ -11484,9 +11590,9 @@
       </p:cxnSp>
       <p:cxnSp>
         <p:nvCxnSpPr>
-          <p:cNvPr id="196" name="Shape 196"/>
+          <p:cNvPr id="199" name="Shape 199"/>
           <p:cNvCxnSpPr>
-            <a:endCxn id="176" idx="0"/>
+            <a:endCxn id="179" idx="0"/>
           </p:cNvCxnSpPr>
           <p:nvPr/>
         </p:nvCxnSpPr>
@@ -11512,7 +11618,7 @@
       </p:cxnSp>
       <p:cxnSp>
         <p:nvCxnSpPr>
-          <p:cNvPr id="197" name="Shape 197"/>
+          <p:cNvPr id="200" name="Shape 200"/>
           <p:cNvCxnSpPr/>
           <p:nvPr/>
         </p:nvCxnSpPr>
@@ -11538,7 +11644,7 @@
       </p:cxnSp>
       <p:cxnSp>
         <p:nvCxnSpPr>
-          <p:cNvPr id="198" name="Shape 198"/>
+          <p:cNvPr id="201" name="Shape 201"/>
           <p:cNvCxnSpPr/>
           <p:nvPr/>
         </p:nvCxnSpPr>
@@ -11546,6 +11652,32 @@
           <a:xfrm flipH="1">
             <a:off x="3952950" y="7489525"/>
             <a:ext cx="7499" cy="2073600"/>
+          </a:xfrm>
+          <a:prstGeom prst="straightConnector1">
+            <a:avLst/>
+          </a:prstGeom>
+          <a:noFill/>
+          <a:ln cap="flat" w="9525">
+            <a:solidFill>
+              <a:srgbClr val="000000"/>
+            </a:solidFill>
+            <a:prstDash val="dash"/>
+            <a:round/>
+            <a:headEnd len="lg" w="lg" type="none"/>
+            <a:tailEnd len="lg" w="lg" type="none"/>
+          </a:ln>
+        </p:spPr>
+      </p:cxnSp>
+      <p:cxnSp>
+        <p:nvCxnSpPr>
+          <p:cNvPr id="202" name="Shape 202"/>
+          <p:cNvCxnSpPr/>
+          <p:nvPr/>
+        </p:nvCxnSpPr>
+        <p:spPr>
+          <a:xfrm>
+            <a:off x="2524125" y="9305925"/>
+            <a:ext cx="0" cy="304799"/>
           </a:xfrm>
           <a:prstGeom prst="straightConnector1">
             <a:avLst/>
@@ -11578,7 +11710,7 @@
   <p:cSld>
     <p:spTree>
       <p:nvGrpSpPr>
-        <p:cNvPr id="202" name="Shape 202"/>
+        <p:cNvPr id="206" name="Shape 206"/>
         <p:cNvGrpSpPr/>
         <p:nvPr/>
       </p:nvGrpSpPr>
@@ -11592,7 +11724,7 @@
       </p:grpSpPr>
       <p:sp>
         <p:nvSpPr>
-          <p:cNvPr id="203" name="Shape 203"/>
+          <p:cNvPr id="207" name="Shape 207"/>
           <p:cNvSpPr/>
           <p:nvPr/>
         </p:nvSpPr>
@@ -11645,7 +11777,7 @@
       </p:sp>
       <p:sp>
         <p:nvSpPr>
-          <p:cNvPr id="204" name="Shape 204"/>
+          <p:cNvPr id="208" name="Shape 208"/>
           <p:cNvSpPr txBox="1"/>
           <p:nvPr/>
         </p:nvSpPr>
@@ -11692,7 +11824,7 @@
       </p:sp>
       <p:cxnSp>
         <p:nvCxnSpPr>
-          <p:cNvPr id="205" name="Shape 205"/>
+          <p:cNvPr id="209" name="Shape 209"/>
           <p:cNvCxnSpPr/>
           <p:nvPr/>
         </p:nvCxnSpPr>
@@ -11718,7 +11850,7 @@
       </p:cxnSp>
       <p:cxnSp>
         <p:nvCxnSpPr>
-          <p:cNvPr id="206" name="Shape 206"/>
+          <p:cNvPr id="210" name="Shape 210"/>
           <p:cNvCxnSpPr/>
           <p:nvPr/>
         </p:nvCxnSpPr>
@@ -11744,7 +11876,7 @@
       </p:cxnSp>
       <p:sp>
         <p:nvSpPr>
-          <p:cNvPr id="207" name="Shape 207"/>
+          <p:cNvPr id="211" name="Shape 211"/>
           <p:cNvSpPr txBox="1"/>
           <p:nvPr/>
         </p:nvSpPr>
@@ -11791,7 +11923,7 @@
       </p:sp>
       <p:sp>
         <p:nvSpPr>
-          <p:cNvPr id="208" name="Shape 208"/>
+          <p:cNvPr id="212" name="Shape 212"/>
           <p:cNvSpPr/>
           <p:nvPr/>
         </p:nvSpPr>
@@ -11845,7 +11977,7 @@
       </p:sp>
       <p:sp>
         <p:nvSpPr>
-          <p:cNvPr id="209" name="Shape 209"/>
+          <p:cNvPr id="213" name="Shape 213"/>
           <p:cNvSpPr/>
           <p:nvPr/>
         </p:nvSpPr>
@@ -11898,9 +12030,9 @@
       </p:sp>
       <p:cxnSp>
         <p:nvCxnSpPr>
-          <p:cNvPr id="210" name="Shape 210"/>
+          <p:cNvPr id="214" name="Shape 214"/>
           <p:cNvCxnSpPr>
-            <a:stCxn id="209" idx="2"/>
+            <a:stCxn id="213" idx="2"/>
           </p:cNvCxnSpPr>
           <p:nvPr/>
         </p:nvCxnSpPr>
@@ -11926,7 +12058,7 @@
       </p:cxnSp>
       <p:sp>
         <p:nvSpPr>
-          <p:cNvPr id="211" name="Shape 211"/>
+          <p:cNvPr id="215" name="Shape 215"/>
           <p:cNvSpPr/>
           <p:nvPr/>
         </p:nvSpPr>
@@ -11979,7 +12111,7 @@
       </p:sp>
       <p:sp>
         <p:nvSpPr>
-          <p:cNvPr id="212" name="Shape 212"/>
+          <p:cNvPr id="216" name="Shape 216"/>
           <p:cNvSpPr/>
           <p:nvPr/>
         </p:nvSpPr>
@@ -12027,7 +12159,7 @@
       </p:sp>
       <p:cxnSp>
         <p:nvCxnSpPr>
-          <p:cNvPr id="213" name="Shape 213"/>
+          <p:cNvPr id="217" name="Shape 217"/>
           <p:cNvCxnSpPr/>
           <p:nvPr/>
         </p:nvCxnSpPr>
@@ -12053,7 +12185,7 @@
       </p:cxnSp>
       <p:sp>
         <p:nvSpPr>
-          <p:cNvPr id="214" name="Shape 214"/>
+          <p:cNvPr id="218" name="Shape 218"/>
           <p:cNvSpPr/>
           <p:nvPr/>
         </p:nvSpPr>
@@ -12107,7 +12239,7 @@
       </p:sp>
       <p:sp>
         <p:nvSpPr>
-          <p:cNvPr id="215" name="Shape 215"/>
+          <p:cNvPr id="219" name="Shape 219"/>
           <p:cNvSpPr txBox="1"/>
           <p:nvPr/>
         </p:nvSpPr>
@@ -12154,9 +12286,9 @@
       </p:sp>
       <p:cxnSp>
         <p:nvCxnSpPr>
-          <p:cNvPr id="216" name="Shape 216"/>
+          <p:cNvPr id="220" name="Shape 220"/>
           <p:cNvCxnSpPr>
-            <a:stCxn id="211" idx="2"/>
+            <a:stCxn id="215" idx="2"/>
           </p:cNvCxnSpPr>
           <p:nvPr/>
         </p:nvCxnSpPr>
@@ -12182,7 +12314,7 @@
       </p:cxnSp>
       <p:sp>
         <p:nvSpPr>
-          <p:cNvPr id="217" name="Shape 217"/>
+          <p:cNvPr id="221" name="Shape 221"/>
           <p:cNvSpPr/>
           <p:nvPr/>
         </p:nvSpPr>
@@ -12234,7 +12366,7 @@
       </p:sp>
       <p:sp>
         <p:nvSpPr>
-          <p:cNvPr id="218" name="Shape 218"/>
+          <p:cNvPr id="222" name="Shape 222"/>
           <p:cNvSpPr/>
           <p:nvPr/>
         </p:nvSpPr>
@@ -12287,7 +12419,7 @@
       </p:sp>
       <p:sp>
         <p:nvSpPr>
-          <p:cNvPr id="219" name="Shape 219"/>
+          <p:cNvPr id="223" name="Shape 223"/>
           <p:cNvSpPr txBox="1"/>
           <p:nvPr/>
         </p:nvSpPr>
@@ -12334,7 +12466,7 @@
       </p:sp>
       <p:cxnSp>
         <p:nvCxnSpPr>
-          <p:cNvPr id="220" name="Shape 220"/>
+          <p:cNvPr id="224" name="Shape 224"/>
           <p:cNvCxnSpPr/>
           <p:nvPr/>
         </p:nvCxnSpPr>
@@ -12360,7 +12492,7 @@
       </p:cxnSp>
       <p:sp>
         <p:nvSpPr>
-          <p:cNvPr id="221" name="Shape 221"/>
+          <p:cNvPr id="225" name="Shape 225"/>
           <p:cNvSpPr/>
           <p:nvPr/>
         </p:nvSpPr>
@@ -12414,7 +12546,7 @@
       </p:sp>
       <p:sp>
         <p:nvSpPr>
-          <p:cNvPr id="222" name="Shape 222"/>
+          <p:cNvPr id="226" name="Shape 226"/>
           <p:cNvSpPr txBox="1"/>
           <p:nvPr/>
         </p:nvSpPr>
@@ -12459,6 +12591,90 @@
           </a:p>
         </p:txBody>
       </p:sp>
+      <p:cxnSp>
+        <p:nvCxnSpPr>
+          <p:cNvPr id="227" name="Shape 227"/>
+          <p:cNvCxnSpPr>
+            <a:stCxn id="212" idx="2"/>
+          </p:cNvCxnSpPr>
+          <p:nvPr/>
+        </p:nvCxnSpPr>
+        <p:spPr>
+          <a:xfrm flipH="1">
+            <a:off x="2476563" y="5544691"/>
+            <a:ext cx="7800" cy="913200"/>
+          </a:xfrm>
+          <a:prstGeom prst="straightConnector1">
+            <a:avLst/>
+          </a:prstGeom>
+          <a:noFill/>
+          <a:ln cap="flat" w="9525">
+            <a:solidFill>
+              <a:srgbClr val="000000"/>
+            </a:solidFill>
+            <a:prstDash val="dash"/>
+            <a:round/>
+            <a:headEnd len="lg" w="lg" type="none"/>
+            <a:tailEnd len="lg" w="lg" type="none"/>
+          </a:ln>
+        </p:spPr>
+      </p:cxnSp>
+      <p:cxnSp>
+        <p:nvCxnSpPr>
+          <p:cNvPr id="228" name="Shape 228"/>
+          <p:cNvCxnSpPr>
+            <a:stCxn id="218" idx="2"/>
+          </p:cNvCxnSpPr>
+          <p:nvPr/>
+        </p:nvCxnSpPr>
+        <p:spPr>
+          <a:xfrm flipH="1">
+            <a:off x="4028935" y="5544690"/>
+            <a:ext cx="3600" cy="922800"/>
+          </a:xfrm>
+          <a:prstGeom prst="straightConnector1">
+            <a:avLst/>
+          </a:prstGeom>
+          <a:noFill/>
+          <a:ln cap="flat" w="9525">
+            <a:solidFill>
+              <a:srgbClr val="000000"/>
+            </a:solidFill>
+            <a:prstDash val="dash"/>
+            <a:round/>
+            <a:headEnd len="lg" w="lg" type="none"/>
+            <a:tailEnd len="lg" w="lg" type="none"/>
+          </a:ln>
+        </p:spPr>
+      </p:cxnSp>
+      <p:cxnSp>
+        <p:nvCxnSpPr>
+          <p:cNvPr id="229" name="Shape 229"/>
+          <p:cNvCxnSpPr>
+            <a:stCxn id="225" idx="2"/>
+          </p:cNvCxnSpPr>
+          <p:nvPr/>
+        </p:nvCxnSpPr>
+        <p:spPr>
+          <a:xfrm flipH="1">
+            <a:off x="5467294" y="5184650"/>
+            <a:ext cx="5400" cy="1244700"/>
+          </a:xfrm>
+          <a:prstGeom prst="straightConnector1">
+            <a:avLst/>
+          </a:prstGeom>
+          <a:noFill/>
+          <a:ln cap="flat" w="9525">
+            <a:solidFill>
+              <a:srgbClr val="000000"/>
+            </a:solidFill>
+            <a:prstDash val="dash"/>
+            <a:round/>
+            <a:headEnd len="lg" w="lg" type="none"/>
+            <a:tailEnd len="lg" w="lg" type="none"/>
+          </a:ln>
+        </p:spPr>
+      </p:cxnSp>
     </p:spTree>
   </p:cSld>
   <p:clrMapOvr>
@@ -12475,7 +12691,7 @@
   <p:cSld>
     <p:spTree>
       <p:nvGrpSpPr>
-        <p:cNvPr id="226" name="Shape 226"/>
+        <p:cNvPr id="233" name="Shape 233"/>
         <p:cNvGrpSpPr/>
         <p:nvPr/>
       </p:nvGrpSpPr>
@@ -12489,7 +12705,7 @@
       </p:grpSpPr>
       <p:sp>
         <p:nvSpPr>
-          <p:cNvPr id="227" name="Shape 227"/>
+          <p:cNvPr id="234" name="Shape 234"/>
           <p:cNvSpPr txBox="1"/>
           <p:nvPr/>
         </p:nvSpPr>
@@ -12527,7 +12743,7 @@
       </p:sp>
       <p:sp>
         <p:nvSpPr>
-          <p:cNvPr id="228" name="Shape 228"/>
+          <p:cNvPr id="235" name="Shape 235"/>
           <p:cNvSpPr/>
           <p:nvPr/>
         </p:nvSpPr>
@@ -12571,7 +12787,7 @@
       </p:sp>
       <p:sp>
         <p:nvSpPr>
-          <p:cNvPr id="229" name="Shape 229"/>
+          <p:cNvPr id="236" name="Shape 236"/>
           <p:cNvSpPr/>
           <p:nvPr/>
         </p:nvSpPr>
@@ -12615,10 +12831,10 @@
       </p:sp>
       <p:cxnSp>
         <p:nvCxnSpPr>
-          <p:cNvPr id="230" name="Shape 230"/>
+          <p:cNvPr id="237" name="Shape 237"/>
           <p:cNvCxnSpPr>
-            <a:stCxn id="229" idx="0"/>
-            <a:endCxn id="228" idx="2"/>
+            <a:stCxn id="236" idx="0"/>
+            <a:endCxn id="235" idx="2"/>
           </p:cNvCxnSpPr>
           <p:nvPr/>
         </p:nvCxnSpPr>
@@ -12646,7 +12862,7 @@
       </p:cxnSp>
       <p:cxnSp>
         <p:nvCxnSpPr>
-          <p:cNvPr id="231" name="Shape 231"/>
+          <p:cNvPr id="238" name="Shape 238"/>
           <p:cNvCxnSpPr/>
           <p:nvPr/>
         </p:nvCxnSpPr>
@@ -12672,7 +12888,7 @@
       </p:cxnSp>
       <p:sp>
         <p:nvSpPr>
-          <p:cNvPr id="232" name="Shape 232"/>
+          <p:cNvPr id="239" name="Shape 239"/>
           <p:cNvSpPr/>
           <p:nvPr/>
         </p:nvSpPr>
@@ -12718,7 +12934,7 @@
       </p:sp>
       <p:sp>
         <p:nvSpPr>
-          <p:cNvPr id="233" name="Shape 233"/>
+          <p:cNvPr id="240" name="Shape 240"/>
           <p:cNvSpPr txBox="1"/>
           <p:nvPr/>
         </p:nvSpPr>
@@ -12756,7 +12972,7 @@
       </p:sp>
       <p:sp>
         <p:nvSpPr>
-          <p:cNvPr id="234" name="Shape 234"/>
+          <p:cNvPr id="241" name="Shape 241"/>
           <p:cNvSpPr/>
           <p:nvPr/>
         </p:nvSpPr>
@@ -12800,7 +13016,7 @@
       </p:sp>
       <p:sp>
         <p:nvSpPr>
-          <p:cNvPr id="235" name="Shape 235"/>
+          <p:cNvPr id="242" name="Shape 242"/>
           <p:cNvSpPr/>
           <p:nvPr/>
         </p:nvSpPr>
@@ -12844,7 +13060,7 @@
       </p:sp>
       <p:sp>
         <p:nvSpPr>
-          <p:cNvPr id="236" name="Shape 236"/>
+          <p:cNvPr id="243" name="Shape 243"/>
           <p:cNvSpPr txBox="1"/>
           <p:nvPr/>
         </p:nvSpPr>
@@ -12894,7 +13110,7 @@
       </p:sp>
       <p:sp>
         <p:nvSpPr>
-          <p:cNvPr id="237" name="Shape 237"/>
+          <p:cNvPr id="244" name="Shape 244"/>
           <p:cNvSpPr/>
           <p:nvPr/>
         </p:nvSpPr>
@@ -12938,7 +13154,7 @@
       </p:sp>
       <p:sp>
         <p:nvSpPr>
-          <p:cNvPr id="238" name="Shape 238"/>
+          <p:cNvPr id="245" name="Shape 245"/>
           <p:cNvSpPr/>
           <p:nvPr/>
         </p:nvSpPr>
@@ -12976,10 +13192,10 @@
       </p:sp>
       <p:cxnSp>
         <p:nvCxnSpPr>
-          <p:cNvPr id="239" name="Shape 239"/>
+          <p:cNvPr id="246" name="Shape 246"/>
           <p:cNvCxnSpPr>
-            <a:stCxn id="237" idx="2"/>
-            <a:endCxn id="238" idx="0"/>
+            <a:stCxn id="244" idx="2"/>
+            <a:endCxn id="245" idx="0"/>
           </p:cNvCxnSpPr>
           <p:nvPr/>
         </p:nvCxnSpPr>
@@ -13007,9 +13223,9 @@
       </p:cxnSp>
       <p:cxnSp>
         <p:nvCxnSpPr>
-          <p:cNvPr id="240" name="Shape 240"/>
+          <p:cNvPr id="247" name="Shape 247"/>
           <p:cNvCxnSpPr>
-            <a:endCxn id="238" idx="1"/>
+            <a:endCxn id="245" idx="1"/>
           </p:cNvCxnSpPr>
           <p:nvPr/>
         </p:nvCxnSpPr>
@@ -13035,7 +13251,7 @@
       </p:cxnSp>
       <p:sp>
         <p:nvSpPr>
-          <p:cNvPr id="241" name="Shape 241"/>
+          <p:cNvPr id="248" name="Shape 248"/>
           <p:cNvSpPr/>
           <p:nvPr/>
         </p:nvSpPr>
@@ -13073,7 +13289,7 @@
       </p:sp>
       <p:cxnSp>
         <p:nvCxnSpPr>
-          <p:cNvPr id="242" name="Shape 242"/>
+          <p:cNvPr id="249" name="Shape 249"/>
           <p:cNvCxnSpPr/>
           <p:nvPr/>
         </p:nvCxnSpPr>
@@ -13099,7 +13315,7 @@
       </p:cxnSp>
       <p:sp>
         <p:nvSpPr>
-          <p:cNvPr id="243" name="Shape 243"/>
+          <p:cNvPr id="250" name="Shape 250"/>
           <p:cNvSpPr/>
           <p:nvPr/>
         </p:nvSpPr>
@@ -13143,7 +13359,7 @@
       </p:sp>
       <p:sp>
         <p:nvSpPr>
-          <p:cNvPr id="244" name="Shape 244"/>
+          <p:cNvPr id="251" name="Shape 251"/>
           <p:cNvSpPr txBox="1"/>
           <p:nvPr/>
         </p:nvSpPr>
@@ -13181,7 +13397,7 @@
       </p:sp>
       <p:sp>
         <p:nvSpPr>
-          <p:cNvPr id="245" name="Shape 245"/>
+          <p:cNvPr id="252" name="Shape 252"/>
           <p:cNvSpPr txBox="1"/>
           <p:nvPr/>
         </p:nvSpPr>
@@ -13219,7 +13435,7 @@
       </p:sp>
       <p:sp>
         <p:nvSpPr>
-          <p:cNvPr id="246" name="Shape 246"/>
+          <p:cNvPr id="253" name="Shape 253"/>
           <p:cNvSpPr/>
           <p:nvPr/>
         </p:nvSpPr>
@@ -13257,7 +13473,7 @@
       </p:sp>
       <p:cxnSp>
         <p:nvCxnSpPr>
-          <p:cNvPr id="247" name="Shape 247"/>
+          <p:cNvPr id="254" name="Shape 254"/>
           <p:cNvCxnSpPr/>
           <p:nvPr/>
         </p:nvCxnSpPr>
@@ -13283,7 +13499,7 @@
       </p:cxnSp>
       <p:sp>
         <p:nvSpPr>
-          <p:cNvPr id="248" name="Shape 248"/>
+          <p:cNvPr id="255" name="Shape 255"/>
           <p:cNvSpPr txBox="1"/>
           <p:nvPr/>
         </p:nvSpPr>
@@ -13321,9 +13537,9 @@
       </p:sp>
       <p:cxnSp>
         <p:nvCxnSpPr>
-          <p:cNvPr id="249" name="Shape 249"/>
+          <p:cNvPr id="256" name="Shape 256"/>
           <p:cNvCxnSpPr>
-            <a:stCxn id="229" idx="2"/>
+            <a:stCxn id="236" idx="2"/>
           </p:cNvCxnSpPr>
           <p:nvPr/>
         </p:nvCxnSpPr>
@@ -13349,9 +13565,9 @@
       </p:cxnSp>
       <p:cxnSp>
         <p:nvCxnSpPr>
-          <p:cNvPr id="250" name="Shape 250"/>
+          <p:cNvPr id="257" name="Shape 257"/>
           <p:cNvCxnSpPr>
-            <a:stCxn id="243" idx="2"/>
+            <a:stCxn id="250" idx="2"/>
           </p:cNvCxnSpPr>
           <p:nvPr/>
         </p:nvCxnSpPr>
@@ -13387,6 +13603,283 @@
 </file>
 
 <file path=ppt/theme/theme1.xml><?xml version="1.0" encoding="utf-8"?>
+<a:theme xmlns:a="http://schemas.openxmlformats.org/drawingml/2006/main" xmlns:r="http://schemas.openxmlformats.org/officeDocument/2006/relationships" name="Custom Theme">
+  <a:themeElements>
+    <a:clrScheme name="Default">
+      <a:dk1>
+        <a:srgbClr val="000000"/>
+      </a:dk1>
+      <a:lt1>
+        <a:srgbClr val="FFFFFF"/>
+      </a:lt1>
+      <a:dk2>
+        <a:srgbClr val="158158"/>
+      </a:dk2>
+      <a:lt2>
+        <a:srgbClr val="F3F3F3"/>
+      </a:lt2>
+      <a:accent1>
+        <a:srgbClr val="058DC7"/>
+      </a:accent1>
+      <a:accent2>
+        <a:srgbClr val="50B432"/>
+      </a:accent2>
+      <a:accent3>
+        <a:srgbClr val="ED561B"/>
+      </a:accent3>
+      <a:accent4>
+        <a:srgbClr val="EDEF00"/>
+      </a:accent4>
+      <a:accent5>
+        <a:srgbClr val="24CBE5"/>
+      </a:accent5>
+      <a:accent6>
+        <a:srgbClr val="64E572"/>
+      </a:accent6>
+      <a:hlink>
+        <a:srgbClr val="2200CC"/>
+      </a:hlink>
+      <a:folHlink>
+        <a:srgbClr val="551A8B"/>
+      </a:folHlink>
+    </a:clrScheme>
+    <a:fontScheme name="Office">
+      <a:majorFont>
+        <a:latin typeface="Arial"/>
+        <a:ea typeface=""/>
+        <a:cs typeface=""/>
+        <a:font script="Jpan" typeface="ＭＳ Ｐゴシック"/>
+        <a:font script="Hang" typeface="맑은 고딕"/>
+        <a:font script="Hans" typeface="宋体"/>
+        <a:font script="Hant" typeface="新細明體"/>
+        <a:font script="Arab" typeface="Times New Roman"/>
+        <a:font script="Hebr" typeface="Times New Roman"/>
+        <a:font script="Thai" typeface="Angsana New"/>
+        <a:font script="Ethi" typeface="Nyala"/>
+        <a:font script="Beng" typeface="Vrinda"/>
+        <a:font script="Gujr" typeface="Shruti"/>
+        <a:font script="Khmr" typeface="MoolBoran"/>
+        <a:font script="Knda" typeface="Tunga"/>
+        <a:font script="Guru" typeface="Raavi"/>
+        <a:font script="Cans" typeface="Euphemia"/>
+        <a:font script="Cher" typeface="Plantagenet Cherokee"/>
+        <a:font script="Yiii" typeface="Microsoft Yi Baiti"/>
+        <a:font script="Tibt" typeface="Microsoft Himalaya"/>
+        <a:font script="Thaa" typeface="MV Boli"/>
+        <a:font script="Deva" typeface="Mangal"/>
+        <a:font script="Telu" typeface="Gautami"/>
+        <a:font script="Taml" typeface="Latha"/>
+        <a:font script="Syrc" typeface="Estrangelo Edessa"/>
+        <a:font script="Orya" typeface="Kalinga"/>
+        <a:font script="Mlym" typeface="Kartika"/>
+        <a:font script="Laoo" typeface="DokChampa"/>
+        <a:font script="Sinh" typeface="Iskoola Pota"/>
+        <a:font script="Mong" typeface="Mongolian Baiti"/>
+        <a:font script="Viet" typeface="Times New Roman"/>
+        <a:font script="Uigh" typeface="Microsoft Uighur"/>
+      </a:majorFont>
+      <a:minorFont>
+        <a:latin typeface="Arial"/>
+        <a:ea typeface=""/>
+        <a:cs typeface=""/>
+        <a:font script="Jpan" typeface="ＭＳ Ｐゴシック"/>
+        <a:font script="Hang" typeface="맑은 고딕"/>
+        <a:font script="Hans" typeface="宋体"/>
+        <a:font script="Hant" typeface="新細明體"/>
+        <a:font script="Arab" typeface="Times New Roman"/>
+        <a:font script="Hebr" typeface="Times New Roman"/>
+        <a:font script="Thai" typeface="Angsana New"/>
+        <a:font script="Ethi" typeface="Nyala"/>
+        <a:font script="Beng" typeface="Vrinda"/>
+        <a:font script="Gujr" typeface="Shruti"/>
+        <a:font script="Khmr" typeface="MoolBoran"/>
+        <a:font script="Knda" typeface="Tunga"/>
+        <a:font script="Guru" typeface="Raavi"/>
+        <a:font script="Cans" typeface="Euphemia"/>
+        <a:font script="Cher" typeface="Plantagenet Cherokee"/>
+        <a:font script="Yiii" typeface="Microsoft Yi Baiti"/>
+        <a:font script="Tibt" typeface="Microsoft Himalaya"/>
+        <a:font script="Thaa" typeface="MV Boli"/>
+        <a:font script="Deva" typeface="Mangal"/>
+        <a:font script="Telu" typeface="Gautami"/>
+        <a:font script="Taml" typeface="Latha"/>
+        <a:font script="Syrc" typeface="Estrangelo Edessa"/>
+        <a:font script="Orya" typeface="Kalinga"/>
+        <a:font script="Mlym" typeface="Kartika"/>
+        <a:font script="Laoo" typeface="DokChampa"/>
+        <a:font script="Sinh" typeface="Iskoola Pota"/>
+        <a:font script="Mong" typeface="Mongolian Baiti"/>
+        <a:font script="Viet" typeface="Times New Roman"/>
+        <a:font script="Uigh" typeface="Microsoft Uighur"/>
+      </a:minorFont>
+    </a:fontScheme>
+    <a:fmtScheme name="Office">
+      <a:fillStyleLst>
+        <a:solidFill>
+          <a:schemeClr val="phClr"/>
+        </a:solidFill>
+        <a:gradFill rotWithShape="1">
+          <a:gsLst>
+            <a:gs pos="0">
+              <a:schemeClr val="phClr">
+                <a:tint val="50000"/>
+                <a:satMod val="300000"/>
+              </a:schemeClr>
+            </a:gs>
+            <a:gs pos="35000">
+              <a:schemeClr val="phClr">
+                <a:tint val="37000"/>
+                <a:satMod val="300000"/>
+              </a:schemeClr>
+            </a:gs>
+            <a:gs pos="100000">
+              <a:schemeClr val="phClr">
+                <a:tint val="15000"/>
+                <a:satMod val="350000"/>
+              </a:schemeClr>
+            </a:gs>
+          </a:gsLst>
+          <a:lin ang="16200000" scaled="1"/>
+        </a:gradFill>
+        <a:gradFill rotWithShape="1">
+          <a:gsLst>
+            <a:gs pos="0">
+              <a:schemeClr val="phClr">
+                <a:tint val="100000"/>
+                <a:shade val="100000"/>
+                <a:satMod val="130000"/>
+              </a:schemeClr>
+            </a:gs>
+            <a:gs pos="100000">
+              <a:schemeClr val="phClr">
+                <a:tint val="50000"/>
+                <a:shade val="100000"/>
+                <a:satMod val="350000"/>
+              </a:schemeClr>
+            </a:gs>
+          </a:gsLst>
+          <a:lin ang="16200000" scaled="0"/>
+        </a:gradFill>
+      </a:fillStyleLst>
+      <a:lnStyleLst>
+        <a:ln cap="flat" cmpd="sng" w="9525" algn="ctr">
+          <a:solidFill>
+            <a:schemeClr val="phClr">
+              <a:shade val="95000"/>
+              <a:satMod val="105000"/>
+            </a:schemeClr>
+          </a:solidFill>
+          <a:prstDash val="solid"/>
+        </a:ln>
+        <a:ln cap="flat" cmpd="sng" w="25400" algn="ctr">
+          <a:solidFill>
+            <a:schemeClr val="phClr"/>
+          </a:solidFill>
+          <a:prstDash val="solid"/>
+        </a:ln>
+        <a:ln cap="flat" cmpd="sng" w="38100" algn="ctr">
+          <a:solidFill>
+            <a:schemeClr val="phClr"/>
+          </a:solidFill>
+          <a:prstDash val="solid"/>
+        </a:ln>
+      </a:lnStyleLst>
+      <a:effectStyleLst>
+        <a:effectStyle>
+          <a:effectLst>
+            <a:outerShdw blurRad="40000" rotWithShape="0" dir="5400000" dist="20000">
+              <a:srgbClr val="000000">
+                <a:alpha val="38000"/>
+              </a:srgbClr>
+            </a:outerShdw>
+          </a:effectLst>
+        </a:effectStyle>
+        <a:effectStyle>
+          <a:effectLst>
+            <a:outerShdw blurRad="40000" rotWithShape="0" dir="5400000" dist="23000">
+              <a:srgbClr val="000000">
+                <a:alpha val="35000"/>
+              </a:srgbClr>
+            </a:outerShdw>
+          </a:effectLst>
+        </a:effectStyle>
+        <a:effectStyle>
+          <a:effectLst>
+            <a:outerShdw blurRad="40000" rotWithShape="0" dir="5400000" dist="23000">
+              <a:srgbClr val="000000">
+                <a:alpha val="35000"/>
+              </a:srgbClr>
+            </a:outerShdw>
+          </a:effectLst>
+          <a:scene3d>
+            <a:camera prst="orthographicFront">
+              <a:rot lat="0" lon="0" rev="0"/>
+            </a:camera>
+            <a:lightRig dir="t" rig="threePt">
+              <a:rot lat="0" lon="0" rev="1200000"/>
+            </a:lightRig>
+          </a:scene3d>
+          <a:sp3d>
+            <a:bevelT h="25400" w="63500"/>
+          </a:sp3d>
+        </a:effectStyle>
+      </a:effectStyleLst>
+      <a:bgFillStyleLst>
+        <a:solidFill>
+          <a:schemeClr val="phClr"/>
+        </a:solidFill>
+        <a:gradFill rotWithShape="1">
+          <a:gsLst>
+            <a:gs pos="0">
+              <a:schemeClr val="phClr">
+                <a:tint val="40000"/>
+                <a:satMod val="350000"/>
+              </a:schemeClr>
+            </a:gs>
+            <a:gs pos="40000">
+              <a:schemeClr val="phClr">
+                <a:tint val="45000"/>
+                <a:shade val="99000"/>
+                <a:satMod val="350000"/>
+              </a:schemeClr>
+            </a:gs>
+            <a:gs pos="100000">
+              <a:schemeClr val="phClr">
+                <a:shade val="20000"/>
+                <a:satMod val="255000"/>
+              </a:schemeClr>
+            </a:gs>
+          </a:gsLst>
+          <a:path path="circle">
+            <a:fillToRect b="180000" l="50000" r="50000" t="-80000"/>
+          </a:path>
+        </a:gradFill>
+        <a:gradFill rotWithShape="1">
+          <a:gsLst>
+            <a:gs pos="0">
+              <a:schemeClr val="phClr">
+                <a:tint val="80000"/>
+                <a:satMod val="300000"/>
+              </a:schemeClr>
+            </a:gs>
+            <a:gs pos="100000">
+              <a:schemeClr val="phClr">
+                <a:shade val="30000"/>
+                <a:satMod val="200000"/>
+              </a:schemeClr>
+            </a:gs>
+          </a:gsLst>
+          <a:path path="circle">
+            <a:fillToRect b="50000" l="50000" r="50000" t="50000"/>
+          </a:path>
+        </a:gradFill>
+      </a:bgFillStyleLst>
+    </a:fmtScheme>
+  </a:themeElements>
+</a:theme>
+</file>
+
+<file path=ppt/theme/theme2.xml><?xml version="1.0" encoding="utf-8"?>
 <a:theme xmlns:a="http://schemas.openxmlformats.org/drawingml/2006/main" xmlns:r="http://schemas.openxmlformats.org/officeDocument/2006/relationships" name="Office Theme">
   <a:themeElements>
     <a:clrScheme name="Office">
@@ -13703,283 +14196,6 @@
 </a:theme>
 </file>
 
-<file path=ppt/theme/theme2.xml><?xml version="1.0" encoding="utf-8"?>
-<a:theme xmlns:a="http://schemas.openxmlformats.org/drawingml/2006/main" xmlns:r="http://schemas.openxmlformats.org/officeDocument/2006/relationships" name="Custom Theme">
-  <a:themeElements>
-    <a:clrScheme name="Default">
-      <a:dk1>
-        <a:srgbClr val="000000"/>
-      </a:dk1>
-      <a:lt1>
-        <a:srgbClr val="FFFFFF"/>
-      </a:lt1>
-      <a:dk2>
-        <a:srgbClr val="158158"/>
-      </a:dk2>
-      <a:lt2>
-        <a:srgbClr val="F3F3F3"/>
-      </a:lt2>
-      <a:accent1>
-        <a:srgbClr val="058DC7"/>
-      </a:accent1>
-      <a:accent2>
-        <a:srgbClr val="50B432"/>
-      </a:accent2>
-      <a:accent3>
-        <a:srgbClr val="ED561B"/>
-      </a:accent3>
-      <a:accent4>
-        <a:srgbClr val="EDEF00"/>
-      </a:accent4>
-      <a:accent5>
-        <a:srgbClr val="24CBE5"/>
-      </a:accent5>
-      <a:accent6>
-        <a:srgbClr val="64E572"/>
-      </a:accent6>
-      <a:hlink>
-        <a:srgbClr val="2200CC"/>
-      </a:hlink>
-      <a:folHlink>
-        <a:srgbClr val="551A8B"/>
-      </a:folHlink>
-    </a:clrScheme>
-    <a:fontScheme name="Office">
-      <a:majorFont>
-        <a:latin typeface="Arial"/>
-        <a:ea typeface=""/>
-        <a:cs typeface=""/>
-        <a:font script="Jpan" typeface="ＭＳ Ｐゴシック"/>
-        <a:font script="Hang" typeface="맑은 고딕"/>
-        <a:font script="Hans" typeface="宋体"/>
-        <a:font script="Hant" typeface="新細明體"/>
-        <a:font script="Arab" typeface="Times New Roman"/>
-        <a:font script="Hebr" typeface="Times New Roman"/>
-        <a:font script="Thai" typeface="Angsana New"/>
-        <a:font script="Ethi" typeface="Nyala"/>
-        <a:font script="Beng" typeface="Vrinda"/>
-        <a:font script="Gujr" typeface="Shruti"/>
-        <a:font script="Khmr" typeface="MoolBoran"/>
-        <a:font script="Knda" typeface="Tunga"/>
-        <a:font script="Guru" typeface="Raavi"/>
-        <a:font script="Cans" typeface="Euphemia"/>
-        <a:font script="Cher" typeface="Plantagenet Cherokee"/>
-        <a:font script="Yiii" typeface="Microsoft Yi Baiti"/>
-        <a:font script="Tibt" typeface="Microsoft Himalaya"/>
-        <a:font script="Thaa" typeface="MV Boli"/>
-        <a:font script="Deva" typeface="Mangal"/>
-        <a:font script="Telu" typeface="Gautami"/>
-        <a:font script="Taml" typeface="Latha"/>
-        <a:font script="Syrc" typeface="Estrangelo Edessa"/>
-        <a:font script="Orya" typeface="Kalinga"/>
-        <a:font script="Mlym" typeface="Kartika"/>
-        <a:font script="Laoo" typeface="DokChampa"/>
-        <a:font script="Sinh" typeface="Iskoola Pota"/>
-        <a:font script="Mong" typeface="Mongolian Baiti"/>
-        <a:font script="Viet" typeface="Times New Roman"/>
-        <a:font script="Uigh" typeface="Microsoft Uighur"/>
-      </a:majorFont>
-      <a:minorFont>
-        <a:latin typeface="Arial"/>
-        <a:ea typeface=""/>
-        <a:cs typeface=""/>
-        <a:font script="Jpan" typeface="ＭＳ Ｐゴシック"/>
-        <a:font script="Hang" typeface="맑은 고딕"/>
-        <a:font script="Hans" typeface="宋体"/>
-        <a:font script="Hant" typeface="新細明體"/>
-        <a:font script="Arab" typeface="Times New Roman"/>
-        <a:font script="Hebr" typeface="Times New Roman"/>
-        <a:font script="Thai" typeface="Angsana New"/>
-        <a:font script="Ethi" typeface="Nyala"/>
-        <a:font script="Beng" typeface="Vrinda"/>
-        <a:font script="Gujr" typeface="Shruti"/>
-        <a:font script="Khmr" typeface="MoolBoran"/>
-        <a:font script="Knda" typeface="Tunga"/>
-        <a:font script="Guru" typeface="Raavi"/>
-        <a:font script="Cans" typeface="Euphemia"/>
-        <a:font script="Cher" typeface="Plantagenet Cherokee"/>
-        <a:font script="Yiii" typeface="Microsoft Yi Baiti"/>
-        <a:font script="Tibt" typeface="Microsoft Himalaya"/>
-        <a:font script="Thaa" typeface="MV Boli"/>
-        <a:font script="Deva" typeface="Mangal"/>
-        <a:font script="Telu" typeface="Gautami"/>
-        <a:font script="Taml" typeface="Latha"/>
-        <a:font script="Syrc" typeface="Estrangelo Edessa"/>
-        <a:font script="Orya" typeface="Kalinga"/>
-        <a:font script="Mlym" typeface="Kartika"/>
-        <a:font script="Laoo" typeface="DokChampa"/>
-        <a:font script="Sinh" typeface="Iskoola Pota"/>
-        <a:font script="Mong" typeface="Mongolian Baiti"/>
-        <a:font script="Viet" typeface="Times New Roman"/>
-        <a:font script="Uigh" typeface="Microsoft Uighur"/>
-      </a:minorFont>
-    </a:fontScheme>
-    <a:fmtScheme name="Office">
-      <a:fillStyleLst>
-        <a:solidFill>
-          <a:schemeClr val="phClr"/>
-        </a:solidFill>
-        <a:gradFill rotWithShape="1">
-          <a:gsLst>
-            <a:gs pos="0">
-              <a:schemeClr val="phClr">
-                <a:tint val="50000"/>
-                <a:satMod val="300000"/>
-              </a:schemeClr>
-            </a:gs>
-            <a:gs pos="35000">
-              <a:schemeClr val="phClr">
-                <a:tint val="37000"/>
-                <a:satMod val="300000"/>
-              </a:schemeClr>
-            </a:gs>
-            <a:gs pos="100000">
-              <a:schemeClr val="phClr">
-                <a:tint val="15000"/>
-                <a:satMod val="350000"/>
-              </a:schemeClr>
-            </a:gs>
-          </a:gsLst>
-          <a:lin ang="16200000" scaled="1"/>
-        </a:gradFill>
-        <a:gradFill rotWithShape="1">
-          <a:gsLst>
-            <a:gs pos="0">
-              <a:schemeClr val="phClr">
-                <a:tint val="100000"/>
-                <a:shade val="100000"/>
-                <a:satMod val="130000"/>
-              </a:schemeClr>
-            </a:gs>
-            <a:gs pos="100000">
-              <a:schemeClr val="phClr">
-                <a:tint val="50000"/>
-                <a:shade val="100000"/>
-                <a:satMod val="350000"/>
-              </a:schemeClr>
-            </a:gs>
-          </a:gsLst>
-          <a:lin ang="16200000" scaled="0"/>
-        </a:gradFill>
-      </a:fillStyleLst>
-      <a:lnStyleLst>
-        <a:ln cap="flat" cmpd="sng" w="9525" algn="ctr">
-          <a:solidFill>
-            <a:schemeClr val="phClr">
-              <a:shade val="95000"/>
-              <a:satMod val="105000"/>
-            </a:schemeClr>
-          </a:solidFill>
-          <a:prstDash val="solid"/>
-        </a:ln>
-        <a:ln cap="flat" cmpd="sng" w="25400" algn="ctr">
-          <a:solidFill>
-            <a:schemeClr val="phClr"/>
-          </a:solidFill>
-          <a:prstDash val="solid"/>
-        </a:ln>
-        <a:ln cap="flat" cmpd="sng" w="38100" algn="ctr">
-          <a:solidFill>
-            <a:schemeClr val="phClr"/>
-          </a:solidFill>
-          <a:prstDash val="solid"/>
-        </a:ln>
-      </a:lnStyleLst>
-      <a:effectStyleLst>
-        <a:effectStyle>
-          <a:effectLst>
-            <a:outerShdw blurRad="40000" rotWithShape="0" dir="5400000" dist="20000">
-              <a:srgbClr val="000000">
-                <a:alpha val="38000"/>
-              </a:srgbClr>
-            </a:outerShdw>
-          </a:effectLst>
-        </a:effectStyle>
-        <a:effectStyle>
-          <a:effectLst>
-            <a:outerShdw blurRad="40000" rotWithShape="0" dir="5400000" dist="23000">
-              <a:srgbClr val="000000">
-                <a:alpha val="35000"/>
-              </a:srgbClr>
-            </a:outerShdw>
-          </a:effectLst>
-        </a:effectStyle>
-        <a:effectStyle>
-          <a:effectLst>
-            <a:outerShdw blurRad="40000" rotWithShape="0" dir="5400000" dist="23000">
-              <a:srgbClr val="000000">
-                <a:alpha val="35000"/>
-              </a:srgbClr>
-            </a:outerShdw>
-          </a:effectLst>
-          <a:scene3d>
-            <a:camera prst="orthographicFront">
-              <a:rot lat="0" lon="0" rev="0"/>
-            </a:camera>
-            <a:lightRig dir="t" rig="threePt">
-              <a:rot lat="0" lon="0" rev="1200000"/>
-            </a:lightRig>
-          </a:scene3d>
-          <a:sp3d>
-            <a:bevelT h="25400" w="63500"/>
-          </a:sp3d>
-        </a:effectStyle>
-      </a:effectStyleLst>
-      <a:bgFillStyleLst>
-        <a:solidFill>
-          <a:schemeClr val="phClr"/>
-        </a:solidFill>
-        <a:gradFill rotWithShape="1">
-          <a:gsLst>
-            <a:gs pos="0">
-              <a:schemeClr val="phClr">
-                <a:tint val="40000"/>
-                <a:satMod val="350000"/>
-              </a:schemeClr>
-            </a:gs>
-            <a:gs pos="40000">
-              <a:schemeClr val="phClr">
-                <a:tint val="45000"/>
-                <a:shade val="99000"/>
-                <a:satMod val="350000"/>
-              </a:schemeClr>
-            </a:gs>
-            <a:gs pos="100000">
-              <a:schemeClr val="phClr">
-                <a:shade val="20000"/>
-                <a:satMod val="255000"/>
-              </a:schemeClr>
-            </a:gs>
-          </a:gsLst>
-          <a:path path="circle">
-            <a:fillToRect b="180000" l="50000" r="50000" t="-80000"/>
-          </a:path>
-        </a:gradFill>
-        <a:gradFill rotWithShape="1">
-          <a:gsLst>
-            <a:gs pos="0">
-              <a:schemeClr val="phClr">
-                <a:tint val="80000"/>
-                <a:satMod val="300000"/>
-              </a:schemeClr>
-            </a:gs>
-            <a:gs pos="100000">
-              <a:schemeClr val="phClr">
-                <a:shade val="30000"/>
-                <a:satMod val="200000"/>
-              </a:schemeClr>
-            </a:gs>
-          </a:gsLst>
-          <a:path path="circle">
-            <a:fillToRect b="50000" l="50000" r="50000" t="50000"/>
-          </a:path>
-        </a:gradFill>
-      </a:bgFillStyleLst>
-    </a:fmtScheme>
-  </a:themeElements>
-</a:theme>
-</file>
-
 <file path=ppt/theme/theme3.xml><?xml version="1.0" encoding="utf-8"?>
 <a:theme xmlns:a="http://schemas.openxmlformats.org/drawingml/2006/main" xmlns:r="http://schemas.openxmlformats.org/officeDocument/2006/relationships" name="Thème Office">
   <a:themeElements>
